--- a/Figures/Figure Creation.pptx
+++ b/Figures/Figure Creation.pptx
@@ -6,6 +6,13 @@
   </p:sldMasterIdLst>
   <p:sldIdLst>
     <p:sldId id="256" r:id="rId2"/>
+    <p:sldId id="260" r:id="rId3"/>
+    <p:sldId id="257" r:id="rId4"/>
+    <p:sldId id="261" r:id="rId5"/>
+    <p:sldId id="263" r:id="rId6"/>
+    <p:sldId id="264" r:id="rId7"/>
+    <p:sldId id="265" r:id="rId8"/>
+    <p:sldId id="266" r:id="rId9"/>
   </p:sldIdLst>
   <p:sldSz cx="12192000" cy="6858000"/>
   <p:notesSz cx="6858000" cy="9144000"/>
@@ -104,6 +111,11 @@
       </a:defRPr>
     </a:lvl9pPr>
   </p:defaultTextStyle>
+  <p:extLst>
+    <p:ext uri="{EFAFB233-063F-42B5-8137-9DF3F51BA10A}">
+      <p15:sldGuideLst xmlns:p15="http://schemas.microsoft.com/office/powerpoint/2012/main"/>
+    </p:ext>
+  </p:extLst>
 </p:presentation>
 </file>
 
@@ -238,7 +250,7 @@
           <a:p>
             <a:fld id="{583C7506-0CE6-4DC0-A0A4-ACFB65CE45A8}" type="datetimeFigureOut">
               <a:rPr lang="en-US" smtClean="0"/>
-              <a:t>11/29/2017</a:t>
+              <a:t>11/30/2017</a:t>
             </a:fld>
             <a:endParaRPr lang="en-US"/>
           </a:p>
@@ -408,7 +420,7 @@
           <a:p>
             <a:fld id="{583C7506-0CE6-4DC0-A0A4-ACFB65CE45A8}" type="datetimeFigureOut">
               <a:rPr lang="en-US" smtClean="0"/>
-              <a:t>11/29/2017</a:t>
+              <a:t>11/30/2017</a:t>
             </a:fld>
             <a:endParaRPr lang="en-US"/>
           </a:p>
@@ -588,7 +600,7 @@
           <a:p>
             <a:fld id="{583C7506-0CE6-4DC0-A0A4-ACFB65CE45A8}" type="datetimeFigureOut">
               <a:rPr lang="en-US" smtClean="0"/>
-              <a:t>11/29/2017</a:t>
+              <a:t>11/30/2017</a:t>
             </a:fld>
             <a:endParaRPr lang="en-US"/>
           </a:p>
@@ -758,7 +770,7 @@
           <a:p>
             <a:fld id="{583C7506-0CE6-4DC0-A0A4-ACFB65CE45A8}" type="datetimeFigureOut">
               <a:rPr lang="en-US" smtClean="0"/>
-              <a:t>11/29/2017</a:t>
+              <a:t>11/30/2017</a:t>
             </a:fld>
             <a:endParaRPr lang="en-US"/>
           </a:p>
@@ -1004,7 +1016,7 @@
           <a:p>
             <a:fld id="{583C7506-0CE6-4DC0-A0A4-ACFB65CE45A8}" type="datetimeFigureOut">
               <a:rPr lang="en-US" smtClean="0"/>
-              <a:t>11/29/2017</a:t>
+              <a:t>11/30/2017</a:t>
             </a:fld>
             <a:endParaRPr lang="en-US"/>
           </a:p>
@@ -1236,7 +1248,7 @@
           <a:p>
             <a:fld id="{583C7506-0CE6-4DC0-A0A4-ACFB65CE45A8}" type="datetimeFigureOut">
               <a:rPr lang="en-US" smtClean="0"/>
-              <a:t>11/29/2017</a:t>
+              <a:t>11/30/2017</a:t>
             </a:fld>
             <a:endParaRPr lang="en-US"/>
           </a:p>
@@ -1603,7 +1615,7 @@
           <a:p>
             <a:fld id="{583C7506-0CE6-4DC0-A0A4-ACFB65CE45A8}" type="datetimeFigureOut">
               <a:rPr lang="en-US" smtClean="0"/>
-              <a:t>11/29/2017</a:t>
+              <a:t>11/30/2017</a:t>
             </a:fld>
             <a:endParaRPr lang="en-US"/>
           </a:p>
@@ -1721,7 +1733,7 @@
           <a:p>
             <a:fld id="{583C7506-0CE6-4DC0-A0A4-ACFB65CE45A8}" type="datetimeFigureOut">
               <a:rPr lang="en-US" smtClean="0"/>
-              <a:t>11/29/2017</a:t>
+              <a:t>11/30/2017</a:t>
             </a:fld>
             <a:endParaRPr lang="en-US"/>
           </a:p>
@@ -1816,7 +1828,7 @@
           <a:p>
             <a:fld id="{583C7506-0CE6-4DC0-A0A4-ACFB65CE45A8}" type="datetimeFigureOut">
               <a:rPr lang="en-US" smtClean="0"/>
-              <a:t>11/29/2017</a:t>
+              <a:t>11/30/2017</a:t>
             </a:fld>
             <a:endParaRPr lang="en-US"/>
           </a:p>
@@ -2093,7 +2105,7 @@
           <a:p>
             <a:fld id="{583C7506-0CE6-4DC0-A0A4-ACFB65CE45A8}" type="datetimeFigureOut">
               <a:rPr lang="en-US" smtClean="0"/>
-              <a:t>11/29/2017</a:t>
+              <a:t>11/30/2017</a:t>
             </a:fld>
             <a:endParaRPr lang="en-US"/>
           </a:p>
@@ -2346,7 +2358,7 @@
           <a:p>
             <a:fld id="{583C7506-0CE6-4DC0-A0A4-ACFB65CE45A8}" type="datetimeFigureOut">
               <a:rPr lang="en-US" smtClean="0"/>
-              <a:t>11/29/2017</a:t>
+              <a:t>11/30/2017</a:t>
             </a:fld>
             <a:endParaRPr lang="en-US"/>
           </a:p>
@@ -2559,7 +2571,7 @@
           <a:p>
             <a:fld id="{583C7506-0CE6-4DC0-A0A4-ACFB65CE45A8}" type="datetimeFigureOut">
               <a:rPr lang="en-US" smtClean="0"/>
-              <a:t>11/29/2017</a:t>
+              <a:t>11/30/2017</a:t>
             </a:fld>
             <a:endParaRPr lang="en-US"/>
           </a:p>
@@ -3733,14 +3745,7 @@
                 <a:latin typeface="Leelawadee UI" panose="020B0502040204020203" pitchFamily="34" charset="-34"/>
                 <a:cs typeface="Leelawadee UI" panose="020B0502040204020203" pitchFamily="34" charset="-34"/>
               </a:rPr>
-              <a:t>Movement traversing </a:t>
-            </a:r>
-            <a:r>
-              <a:rPr lang="en-US" sz="1200" dirty="0" smtClean="0">
-                <a:latin typeface="Leelawadee UI" panose="020B0502040204020203" pitchFamily="34" charset="-34"/>
-                <a:cs typeface="Leelawadee UI" panose="020B0502040204020203" pitchFamily="34" charset="-34"/>
-              </a:rPr>
-              <a:t>6</a:t>
+              <a:t>Movement traversing 6</a:t>
             </a:r>
             <a:r>
               <a:rPr lang="en-US" sz="1200" baseline="30000" dirty="0" smtClean="0">
@@ -4297,6 +4302,4151 @@
 </p:sld>
 </file>
 
+<file path=ppt/slides/slide2.xml><?xml version="1.0" encoding="utf-8"?>
+<p:sld xmlns:a="http://schemas.openxmlformats.org/drawingml/2006/main" xmlns:r="http://schemas.openxmlformats.org/officeDocument/2006/relationships" xmlns:p="http://schemas.openxmlformats.org/presentationml/2006/main">
+  <p:cSld>
+    <p:spTree>
+      <p:nvGrpSpPr>
+        <p:cNvPr id="1" name=""/>
+        <p:cNvGrpSpPr/>
+        <p:nvPr/>
+      </p:nvGrpSpPr>
+      <p:grpSpPr>
+        <a:xfrm>
+          <a:off x="0" y="0"/>
+          <a:ext cx="0" cy="0"/>
+          <a:chOff x="0" y="0"/>
+          <a:chExt cx="0" cy="0"/>
+        </a:xfrm>
+      </p:grpSpPr>
+      <p:pic>
+        <p:nvPicPr>
+          <p:cNvPr id="2" name="Picture 1"/>
+          <p:cNvPicPr>
+            <a:picLocks noChangeAspect="1"/>
+          </p:cNvPicPr>
+          <p:nvPr/>
+        </p:nvPicPr>
+        <p:blipFill>
+          <a:blip r:embed="rId2">
+            <a:extLst>
+              <a:ext uri="{28A0092B-C50C-407E-A947-70E740481C1C}">
+                <a14:useLocalDpi xmlns:a14="http://schemas.microsoft.com/office/drawing/2010/main" val="0"/>
+              </a:ext>
+            </a:extLst>
+          </a:blip>
+          <a:stretch>
+            <a:fillRect/>
+          </a:stretch>
+        </p:blipFill>
+        <p:spPr>
+          <a:xfrm>
+            <a:off x="3700032" y="1143000"/>
+            <a:ext cx="2286000" cy="2286000"/>
+          </a:xfrm>
+          <a:prstGeom prst="rect">
+            <a:avLst/>
+          </a:prstGeom>
+        </p:spPr>
+      </p:pic>
+      <p:pic>
+        <p:nvPicPr>
+          <p:cNvPr id="3" name="Picture 2"/>
+          <p:cNvPicPr>
+            <a:picLocks noChangeAspect="1"/>
+          </p:cNvPicPr>
+          <p:nvPr/>
+        </p:nvPicPr>
+        <p:blipFill>
+          <a:blip r:embed="rId3">
+            <a:extLst>
+              <a:ext uri="{28A0092B-C50C-407E-A947-70E740481C1C}">
+                <a14:useLocalDpi xmlns:a14="http://schemas.microsoft.com/office/drawing/2010/main" val="0"/>
+              </a:ext>
+            </a:extLst>
+          </a:blip>
+          <a:stretch>
+            <a:fillRect/>
+          </a:stretch>
+        </p:blipFill>
+        <p:spPr>
+          <a:xfrm>
+            <a:off x="3700032" y="4003221"/>
+            <a:ext cx="2286000" cy="2286000"/>
+          </a:xfrm>
+          <a:prstGeom prst="rect">
+            <a:avLst/>
+          </a:prstGeom>
+        </p:spPr>
+      </p:pic>
+      <p:pic>
+        <p:nvPicPr>
+          <p:cNvPr id="4" name="Picture 3"/>
+          <p:cNvPicPr>
+            <a:picLocks noChangeAspect="1"/>
+          </p:cNvPicPr>
+          <p:nvPr/>
+        </p:nvPicPr>
+        <p:blipFill>
+          <a:blip r:embed="rId4">
+            <a:extLst>
+              <a:ext uri="{28A0092B-C50C-407E-A947-70E740481C1C}">
+                <a14:useLocalDpi xmlns:a14="http://schemas.microsoft.com/office/drawing/2010/main" val="0"/>
+              </a:ext>
+            </a:extLst>
+          </a:blip>
+          <a:stretch>
+            <a:fillRect/>
+          </a:stretch>
+        </p:blipFill>
+        <p:spPr>
+          <a:xfrm>
+            <a:off x="9431415" y="1143000"/>
+            <a:ext cx="2286000" cy="2286000"/>
+          </a:xfrm>
+          <a:prstGeom prst="rect">
+            <a:avLst/>
+          </a:prstGeom>
+        </p:spPr>
+      </p:pic>
+      <p:pic>
+        <p:nvPicPr>
+          <p:cNvPr id="5" name="Picture 4"/>
+          <p:cNvPicPr>
+            <a:picLocks noChangeAspect="1"/>
+          </p:cNvPicPr>
+          <p:nvPr/>
+        </p:nvPicPr>
+        <p:blipFill>
+          <a:blip r:embed="rId5">
+            <a:extLst>
+              <a:ext uri="{28A0092B-C50C-407E-A947-70E740481C1C}">
+                <a14:useLocalDpi xmlns:a14="http://schemas.microsoft.com/office/drawing/2010/main" val="0"/>
+              </a:ext>
+            </a:extLst>
+          </a:blip>
+          <a:stretch>
+            <a:fillRect/>
+          </a:stretch>
+        </p:blipFill>
+        <p:spPr>
+          <a:xfrm>
+            <a:off x="9429029" y="4008275"/>
+            <a:ext cx="2286000" cy="2286000"/>
+          </a:xfrm>
+          <a:prstGeom prst="rect">
+            <a:avLst/>
+          </a:prstGeom>
+        </p:spPr>
+      </p:pic>
+      <p:pic>
+        <p:nvPicPr>
+          <p:cNvPr id="6" name="Picture 5"/>
+          <p:cNvPicPr>
+            <a:picLocks noChangeAspect="1"/>
+          </p:cNvPicPr>
+          <p:nvPr/>
+        </p:nvPicPr>
+        <p:blipFill>
+          <a:blip r:embed="rId6">
+            <a:extLst>
+              <a:ext uri="{28A0092B-C50C-407E-A947-70E740481C1C}">
+                <a14:useLocalDpi xmlns:a14="http://schemas.microsoft.com/office/drawing/2010/main" val="0"/>
+              </a:ext>
+            </a:extLst>
+          </a:blip>
+          <a:stretch>
+            <a:fillRect/>
+          </a:stretch>
+        </p:blipFill>
+        <p:spPr>
+          <a:xfrm>
+            <a:off x="835533" y="1143000"/>
+            <a:ext cx="2286000" cy="2286000"/>
+          </a:xfrm>
+          <a:prstGeom prst="rect">
+            <a:avLst/>
+          </a:prstGeom>
+        </p:spPr>
+      </p:pic>
+      <p:pic>
+        <p:nvPicPr>
+          <p:cNvPr id="7" name="Picture 6"/>
+          <p:cNvPicPr>
+            <a:picLocks noChangeAspect="1"/>
+          </p:cNvPicPr>
+          <p:nvPr/>
+        </p:nvPicPr>
+        <p:blipFill>
+          <a:blip r:embed="rId7">
+            <a:extLst>
+              <a:ext uri="{28A0092B-C50C-407E-A947-70E740481C1C}">
+                <a14:useLocalDpi xmlns:a14="http://schemas.microsoft.com/office/drawing/2010/main" val="0"/>
+              </a:ext>
+            </a:extLst>
+          </a:blip>
+          <a:stretch>
+            <a:fillRect/>
+          </a:stretch>
+        </p:blipFill>
+        <p:spPr>
+          <a:xfrm>
+            <a:off x="835533" y="4003221"/>
+            <a:ext cx="2286000" cy="2286000"/>
+          </a:xfrm>
+          <a:prstGeom prst="rect">
+            <a:avLst/>
+          </a:prstGeom>
+        </p:spPr>
+      </p:pic>
+      <p:pic>
+        <p:nvPicPr>
+          <p:cNvPr id="8" name="Picture 7"/>
+          <p:cNvPicPr>
+            <a:picLocks noChangeAspect="1"/>
+          </p:cNvPicPr>
+          <p:nvPr/>
+        </p:nvPicPr>
+        <p:blipFill>
+          <a:blip r:embed="rId8">
+            <a:extLst>
+              <a:ext uri="{28A0092B-C50C-407E-A947-70E740481C1C}">
+                <a14:useLocalDpi xmlns:a14="http://schemas.microsoft.com/office/drawing/2010/main" val="0"/>
+              </a:ext>
+            </a:extLst>
+          </a:blip>
+          <a:stretch>
+            <a:fillRect/>
+          </a:stretch>
+        </p:blipFill>
+        <p:spPr>
+          <a:xfrm>
+            <a:off x="6564531" y="1143000"/>
+            <a:ext cx="2290771" cy="2286000"/>
+          </a:xfrm>
+          <a:prstGeom prst="rect">
+            <a:avLst/>
+          </a:prstGeom>
+        </p:spPr>
+      </p:pic>
+      <p:pic>
+        <p:nvPicPr>
+          <p:cNvPr id="9" name="Picture 8"/>
+          <p:cNvPicPr>
+            <a:picLocks noChangeAspect="1"/>
+          </p:cNvPicPr>
+          <p:nvPr/>
+        </p:nvPicPr>
+        <p:blipFill>
+          <a:blip r:embed="rId9">
+            <a:extLst>
+              <a:ext uri="{28A0092B-C50C-407E-A947-70E740481C1C}">
+                <a14:useLocalDpi xmlns:a14="http://schemas.microsoft.com/office/drawing/2010/main" val="0"/>
+              </a:ext>
+            </a:extLst>
+          </a:blip>
+          <a:stretch>
+            <a:fillRect/>
+          </a:stretch>
+        </p:blipFill>
+        <p:spPr>
+          <a:xfrm>
+            <a:off x="6564530" y="3953511"/>
+            <a:ext cx="2290771" cy="2286000"/>
+          </a:xfrm>
+          <a:prstGeom prst="rect">
+            <a:avLst/>
+          </a:prstGeom>
+        </p:spPr>
+      </p:pic>
+      <p:sp>
+        <p:nvSpPr>
+          <p:cNvPr id="10" name="TextBox 9"/>
+          <p:cNvSpPr txBox="1"/>
+          <p:nvPr/>
+        </p:nvSpPr>
+        <p:spPr>
+          <a:xfrm>
+            <a:off x="943483" y="1485781"/>
+            <a:ext cx="2070100" cy="1600438"/>
+          </a:xfrm>
+          <a:prstGeom prst="rect">
+            <a:avLst/>
+          </a:prstGeom>
+          <a:noFill/>
+        </p:spPr>
+        <p:txBody>
+          <a:bodyPr wrap="square" rtlCol="0">
+            <a:spAutoFit/>
+          </a:bodyPr>
+          <a:lstStyle/>
+          <a:p>
+            <a:pPr algn="ctr"/>
+            <a:r>
+              <a:rPr lang="en-US" sz="1400" b="1" dirty="0" smtClean="0">
+                <a:latin typeface="Leelawadee UI" panose="020B0502040204020203" pitchFamily="34" charset="-34"/>
+                <a:cs typeface="Leelawadee UI" panose="020B0502040204020203" pitchFamily="34" charset="-34"/>
+              </a:rPr>
+              <a:t>Hue: </a:t>
+            </a:r>
+            <a:r>
+              <a:rPr lang="en-US" sz="1400" dirty="0" smtClean="0">
+                <a:latin typeface="Leelawadee UI" panose="020B0502040204020203" pitchFamily="34" charset="-34"/>
+                <a:cs typeface="Leelawadee UI" panose="020B0502040204020203" pitchFamily="34" charset="-34"/>
+              </a:rPr>
+              <a:t>196</a:t>
+            </a:r>
+          </a:p>
+          <a:p>
+            <a:pPr algn="ctr"/>
+            <a:r>
+              <a:rPr lang="en-US" sz="1400" b="1" dirty="0" smtClean="0">
+                <a:latin typeface="Leelawadee UI" panose="020B0502040204020203" pitchFamily="34" charset="-34"/>
+                <a:cs typeface="Leelawadee UI" panose="020B0502040204020203" pitchFamily="34" charset="-34"/>
+              </a:rPr>
+              <a:t>Saturation: </a:t>
+            </a:r>
+            <a:r>
+              <a:rPr lang="en-US" sz="1400" dirty="0" smtClean="0">
+                <a:latin typeface="Leelawadee UI" panose="020B0502040204020203" pitchFamily="34" charset="-34"/>
+                <a:cs typeface="Leelawadee UI" panose="020B0502040204020203" pitchFamily="34" charset="-34"/>
+              </a:rPr>
+              <a:t>100</a:t>
+            </a:r>
+          </a:p>
+          <a:p>
+            <a:pPr algn="ctr"/>
+            <a:r>
+              <a:rPr lang="en-US" sz="1400" b="1" dirty="0" smtClean="0">
+                <a:latin typeface="Leelawadee UI" panose="020B0502040204020203" pitchFamily="34" charset="-34"/>
+                <a:cs typeface="Leelawadee UI" panose="020B0502040204020203" pitchFamily="34" charset="-34"/>
+              </a:rPr>
+              <a:t>Brightness: </a:t>
+            </a:r>
+            <a:r>
+              <a:rPr lang="en-US" sz="1400" dirty="0" smtClean="0">
+                <a:latin typeface="Leelawadee UI" panose="020B0502040204020203" pitchFamily="34" charset="-34"/>
+                <a:cs typeface="Leelawadee UI" panose="020B0502040204020203" pitchFamily="34" charset="-34"/>
+              </a:rPr>
+              <a:t>95</a:t>
+            </a:r>
+          </a:p>
+          <a:p>
+            <a:pPr algn="ctr"/>
+            <a:endParaRPr lang="en-US" sz="1400" dirty="0">
+              <a:latin typeface="Leelawadee UI" panose="020B0502040204020203" pitchFamily="34" charset="-34"/>
+              <a:cs typeface="Leelawadee UI" panose="020B0502040204020203" pitchFamily="34" charset="-34"/>
+            </a:endParaRPr>
+          </a:p>
+          <a:p>
+            <a:pPr algn="ctr"/>
+            <a:r>
+              <a:rPr lang="en-US" sz="1400" b="1" dirty="0" smtClean="0">
+                <a:latin typeface="Leelawadee UI" panose="020B0502040204020203" pitchFamily="34" charset="-34"/>
+                <a:cs typeface="Leelawadee UI" panose="020B0502040204020203" pitchFamily="34" charset="-34"/>
+              </a:rPr>
+              <a:t>Hex: </a:t>
+            </a:r>
+            <a:r>
+              <a:rPr lang="en-US" sz="1400" dirty="0" smtClean="0">
+                <a:latin typeface="Leelawadee UI" panose="020B0502040204020203" pitchFamily="34" charset="-34"/>
+                <a:cs typeface="Leelawadee UI" panose="020B0502040204020203" pitchFamily="34" charset="-34"/>
+              </a:rPr>
+              <a:t>#01B0F1</a:t>
+            </a:r>
+          </a:p>
+          <a:p>
+            <a:pPr algn="ctr"/>
+            <a:endParaRPr lang="en-US" sz="1400" dirty="0">
+              <a:latin typeface="Leelawadee UI" panose="020B0502040204020203" pitchFamily="34" charset="-34"/>
+              <a:cs typeface="Leelawadee UI" panose="020B0502040204020203" pitchFamily="34" charset="-34"/>
+            </a:endParaRPr>
+          </a:p>
+          <a:p>
+            <a:pPr algn="ctr"/>
+            <a:r>
+              <a:rPr lang="en-US" sz="1400" b="1" dirty="0">
+                <a:latin typeface="Leelawadee UI" panose="020B0502040204020203" pitchFamily="34" charset="-34"/>
+                <a:cs typeface="Leelawadee UI" panose="020B0502040204020203" pitchFamily="34" charset="-34"/>
+              </a:rPr>
+              <a:t>RGB: </a:t>
+            </a:r>
+            <a:r>
+              <a:rPr lang="en-US" sz="1400" dirty="0">
+                <a:latin typeface="Leelawadee UI" panose="020B0502040204020203" pitchFamily="34" charset="-34"/>
+                <a:cs typeface="Leelawadee UI" panose="020B0502040204020203" pitchFamily="34" charset="-34"/>
+              </a:rPr>
+              <a:t>1, 176, </a:t>
+            </a:r>
+            <a:r>
+              <a:rPr lang="en-US" sz="1400" dirty="0" smtClean="0">
+                <a:latin typeface="Leelawadee UI" panose="020B0502040204020203" pitchFamily="34" charset="-34"/>
+                <a:cs typeface="Leelawadee UI" panose="020B0502040204020203" pitchFamily="34" charset="-34"/>
+              </a:rPr>
+              <a:t>241</a:t>
+            </a:r>
+            <a:endParaRPr lang="en-US" sz="1400" dirty="0">
+              <a:latin typeface="Leelawadee UI" panose="020B0502040204020203" pitchFamily="34" charset="-34"/>
+              <a:cs typeface="Leelawadee UI" panose="020B0502040204020203" pitchFamily="34" charset="-34"/>
+            </a:endParaRPr>
+          </a:p>
+        </p:txBody>
+      </p:sp>
+      <p:sp>
+        <p:nvSpPr>
+          <p:cNvPr id="17" name="TextBox 16"/>
+          <p:cNvSpPr txBox="1"/>
+          <p:nvPr/>
+        </p:nvSpPr>
+        <p:spPr>
+          <a:xfrm>
+            <a:off x="3807982" y="1485781"/>
+            <a:ext cx="2070100" cy="1600438"/>
+          </a:xfrm>
+          <a:prstGeom prst="rect">
+            <a:avLst/>
+          </a:prstGeom>
+          <a:noFill/>
+        </p:spPr>
+        <p:txBody>
+          <a:bodyPr wrap="square" rtlCol="0">
+            <a:spAutoFit/>
+          </a:bodyPr>
+          <a:lstStyle/>
+          <a:p>
+            <a:pPr algn="ctr"/>
+            <a:r>
+              <a:rPr lang="en-US" sz="1400" b="1" dirty="0" smtClean="0">
+                <a:latin typeface="Leelawadee UI" panose="020B0502040204020203" pitchFamily="34" charset="-34"/>
+                <a:cs typeface="Leelawadee UI" panose="020B0502040204020203" pitchFamily="34" charset="-34"/>
+              </a:rPr>
+              <a:t>Hue: </a:t>
+            </a:r>
+            <a:r>
+              <a:rPr lang="en-US" sz="1400" dirty="0" smtClean="0">
+                <a:latin typeface="Leelawadee UI" panose="020B0502040204020203" pitchFamily="34" charset="-34"/>
+                <a:cs typeface="Leelawadee UI" panose="020B0502040204020203" pitchFamily="34" charset="-34"/>
+              </a:rPr>
+              <a:t>60</a:t>
+            </a:r>
+          </a:p>
+          <a:p>
+            <a:pPr algn="ctr"/>
+            <a:r>
+              <a:rPr lang="en-US" sz="1400" b="1" dirty="0" smtClean="0">
+                <a:latin typeface="Leelawadee UI" panose="020B0502040204020203" pitchFamily="34" charset="-34"/>
+                <a:cs typeface="Leelawadee UI" panose="020B0502040204020203" pitchFamily="34" charset="-34"/>
+              </a:rPr>
+              <a:t>Saturation: </a:t>
+            </a:r>
+            <a:r>
+              <a:rPr lang="en-US" sz="1400" dirty="0" smtClean="0">
+                <a:latin typeface="Leelawadee UI" panose="020B0502040204020203" pitchFamily="34" charset="-34"/>
+                <a:cs typeface="Leelawadee UI" panose="020B0502040204020203" pitchFamily="34" charset="-34"/>
+              </a:rPr>
+              <a:t>100</a:t>
+            </a:r>
+          </a:p>
+          <a:p>
+            <a:pPr algn="ctr"/>
+            <a:r>
+              <a:rPr lang="en-US" sz="1400" b="1" dirty="0" smtClean="0">
+                <a:latin typeface="Leelawadee UI" panose="020B0502040204020203" pitchFamily="34" charset="-34"/>
+                <a:cs typeface="Leelawadee UI" panose="020B0502040204020203" pitchFamily="34" charset="-34"/>
+              </a:rPr>
+              <a:t>Brightness: </a:t>
+            </a:r>
+            <a:r>
+              <a:rPr lang="en-US" sz="1400" dirty="0" smtClean="0">
+                <a:latin typeface="Leelawadee UI" panose="020B0502040204020203" pitchFamily="34" charset="-34"/>
+                <a:cs typeface="Leelawadee UI" panose="020B0502040204020203" pitchFamily="34" charset="-34"/>
+              </a:rPr>
+              <a:t>100</a:t>
+            </a:r>
+          </a:p>
+          <a:p>
+            <a:pPr algn="ctr"/>
+            <a:endParaRPr lang="en-US" sz="1400" dirty="0">
+              <a:latin typeface="Leelawadee UI" panose="020B0502040204020203" pitchFamily="34" charset="-34"/>
+              <a:cs typeface="Leelawadee UI" panose="020B0502040204020203" pitchFamily="34" charset="-34"/>
+            </a:endParaRPr>
+          </a:p>
+          <a:p>
+            <a:pPr algn="ctr"/>
+            <a:r>
+              <a:rPr lang="en-US" sz="1400" b="1" dirty="0" smtClean="0">
+                <a:latin typeface="Leelawadee UI" panose="020B0502040204020203" pitchFamily="34" charset="-34"/>
+                <a:cs typeface="Leelawadee UI" panose="020B0502040204020203" pitchFamily="34" charset="-34"/>
+              </a:rPr>
+              <a:t>Hex: </a:t>
+            </a:r>
+            <a:r>
+              <a:rPr lang="en-US" sz="1400" dirty="0" smtClean="0">
+                <a:latin typeface="Leelawadee UI" panose="020B0502040204020203" pitchFamily="34" charset="-34"/>
+                <a:cs typeface="Leelawadee UI" panose="020B0502040204020203" pitchFamily="34" charset="-34"/>
+              </a:rPr>
+              <a:t>#FFFF01</a:t>
+            </a:r>
+          </a:p>
+          <a:p>
+            <a:pPr algn="ctr"/>
+            <a:endParaRPr lang="en-US" sz="1400" dirty="0">
+              <a:latin typeface="Leelawadee UI" panose="020B0502040204020203" pitchFamily="34" charset="-34"/>
+              <a:cs typeface="Leelawadee UI" panose="020B0502040204020203" pitchFamily="34" charset="-34"/>
+            </a:endParaRPr>
+          </a:p>
+          <a:p>
+            <a:pPr algn="ctr"/>
+            <a:r>
+              <a:rPr lang="en-US" sz="1400" b="1" dirty="0">
+                <a:latin typeface="Leelawadee UI" panose="020B0502040204020203" pitchFamily="34" charset="-34"/>
+                <a:cs typeface="Leelawadee UI" panose="020B0502040204020203" pitchFamily="34" charset="-34"/>
+              </a:rPr>
+              <a:t>RGB: </a:t>
+            </a:r>
+            <a:r>
+              <a:rPr lang="en-US" sz="1400" dirty="0" smtClean="0">
+                <a:latin typeface="Leelawadee UI" panose="020B0502040204020203" pitchFamily="34" charset="-34"/>
+                <a:cs typeface="Leelawadee UI" panose="020B0502040204020203" pitchFamily="34" charset="-34"/>
+              </a:rPr>
+              <a:t>255, 255, 1</a:t>
+            </a:r>
+            <a:endParaRPr lang="en-US" sz="1400" dirty="0">
+              <a:latin typeface="Leelawadee UI" panose="020B0502040204020203" pitchFamily="34" charset="-34"/>
+              <a:cs typeface="Leelawadee UI" panose="020B0502040204020203" pitchFamily="34" charset="-34"/>
+            </a:endParaRPr>
+          </a:p>
+        </p:txBody>
+      </p:sp>
+      <p:sp>
+        <p:nvSpPr>
+          <p:cNvPr id="18" name="TextBox 17"/>
+          <p:cNvSpPr txBox="1"/>
+          <p:nvPr/>
+        </p:nvSpPr>
+        <p:spPr>
+          <a:xfrm>
+            <a:off x="6674865" y="1485781"/>
+            <a:ext cx="2070100" cy="1600438"/>
+          </a:xfrm>
+          <a:prstGeom prst="rect">
+            <a:avLst/>
+          </a:prstGeom>
+          <a:noFill/>
+        </p:spPr>
+        <p:txBody>
+          <a:bodyPr wrap="square" rtlCol="0">
+            <a:spAutoFit/>
+          </a:bodyPr>
+          <a:lstStyle/>
+          <a:p>
+            <a:pPr algn="ctr"/>
+            <a:r>
+              <a:rPr lang="en-US" sz="1400" b="1" dirty="0" smtClean="0">
+                <a:latin typeface="Leelawadee UI" panose="020B0502040204020203" pitchFamily="34" charset="-34"/>
+                <a:cs typeface="Leelawadee UI" panose="020B0502040204020203" pitchFamily="34" charset="-34"/>
+              </a:rPr>
+              <a:t>Hue: </a:t>
+            </a:r>
+            <a:r>
+              <a:rPr lang="en-US" sz="1400" dirty="0" smtClean="0">
+                <a:latin typeface="Leelawadee UI" panose="020B0502040204020203" pitchFamily="34" charset="-34"/>
+                <a:cs typeface="Leelawadee UI" panose="020B0502040204020203" pitchFamily="34" charset="-34"/>
+              </a:rPr>
+              <a:t>0</a:t>
+            </a:r>
+          </a:p>
+          <a:p>
+            <a:pPr algn="ctr"/>
+            <a:r>
+              <a:rPr lang="en-US" sz="1400" b="1" dirty="0" smtClean="0">
+                <a:latin typeface="Leelawadee UI" panose="020B0502040204020203" pitchFamily="34" charset="-34"/>
+                <a:cs typeface="Leelawadee UI" panose="020B0502040204020203" pitchFamily="34" charset="-34"/>
+              </a:rPr>
+              <a:t>Saturation: </a:t>
+            </a:r>
+            <a:r>
+              <a:rPr lang="en-US" sz="1400" dirty="0" smtClean="0">
+                <a:latin typeface="Leelawadee UI" panose="020B0502040204020203" pitchFamily="34" charset="-34"/>
+                <a:cs typeface="Leelawadee UI" panose="020B0502040204020203" pitchFamily="34" charset="-34"/>
+              </a:rPr>
+              <a:t>100</a:t>
+            </a:r>
+          </a:p>
+          <a:p>
+            <a:pPr algn="ctr"/>
+            <a:r>
+              <a:rPr lang="en-US" sz="1400" b="1" dirty="0" smtClean="0">
+                <a:latin typeface="Leelawadee UI" panose="020B0502040204020203" pitchFamily="34" charset="-34"/>
+                <a:cs typeface="Leelawadee UI" panose="020B0502040204020203" pitchFamily="34" charset="-34"/>
+              </a:rPr>
+              <a:t>Brightness: </a:t>
+            </a:r>
+            <a:r>
+              <a:rPr lang="en-US" sz="1400" dirty="0" smtClean="0">
+                <a:latin typeface="Leelawadee UI" panose="020B0502040204020203" pitchFamily="34" charset="-34"/>
+                <a:cs typeface="Leelawadee UI" panose="020B0502040204020203" pitchFamily="34" charset="-34"/>
+              </a:rPr>
+              <a:t>100</a:t>
+            </a:r>
+          </a:p>
+          <a:p>
+            <a:pPr algn="ctr"/>
+            <a:endParaRPr lang="en-US" sz="1400" dirty="0">
+              <a:latin typeface="Leelawadee UI" panose="020B0502040204020203" pitchFamily="34" charset="-34"/>
+              <a:cs typeface="Leelawadee UI" panose="020B0502040204020203" pitchFamily="34" charset="-34"/>
+            </a:endParaRPr>
+          </a:p>
+          <a:p>
+            <a:pPr algn="ctr"/>
+            <a:r>
+              <a:rPr lang="en-US" sz="1400" b="1" dirty="0" smtClean="0">
+                <a:latin typeface="Leelawadee UI" panose="020B0502040204020203" pitchFamily="34" charset="-34"/>
+                <a:cs typeface="Leelawadee UI" panose="020B0502040204020203" pitchFamily="34" charset="-34"/>
+              </a:rPr>
+              <a:t>Hex: </a:t>
+            </a:r>
+            <a:r>
+              <a:rPr lang="en-US" sz="1400" dirty="0" smtClean="0">
+                <a:latin typeface="Leelawadee UI" panose="020B0502040204020203" pitchFamily="34" charset="-34"/>
+                <a:cs typeface="Leelawadee UI" panose="020B0502040204020203" pitchFamily="34" charset="-34"/>
+              </a:rPr>
+              <a:t>#FE0000</a:t>
+            </a:r>
+          </a:p>
+          <a:p>
+            <a:pPr algn="ctr"/>
+            <a:endParaRPr lang="en-US" sz="1400" dirty="0">
+              <a:latin typeface="Leelawadee UI" panose="020B0502040204020203" pitchFamily="34" charset="-34"/>
+              <a:cs typeface="Leelawadee UI" panose="020B0502040204020203" pitchFamily="34" charset="-34"/>
+            </a:endParaRPr>
+          </a:p>
+          <a:p>
+            <a:pPr algn="ctr"/>
+            <a:r>
+              <a:rPr lang="en-US" sz="1400" b="1" dirty="0">
+                <a:latin typeface="Leelawadee UI" panose="020B0502040204020203" pitchFamily="34" charset="-34"/>
+                <a:cs typeface="Leelawadee UI" panose="020B0502040204020203" pitchFamily="34" charset="-34"/>
+              </a:rPr>
+              <a:t>RGB: </a:t>
+            </a:r>
+            <a:r>
+              <a:rPr lang="en-US" sz="1400" dirty="0" smtClean="0">
+                <a:latin typeface="Leelawadee UI" panose="020B0502040204020203" pitchFamily="34" charset="-34"/>
+                <a:cs typeface="Leelawadee UI" panose="020B0502040204020203" pitchFamily="34" charset="-34"/>
+              </a:rPr>
+              <a:t>254, 0, 0</a:t>
+            </a:r>
+            <a:endParaRPr lang="en-US" sz="1400" dirty="0">
+              <a:latin typeface="Leelawadee UI" panose="020B0502040204020203" pitchFamily="34" charset="-34"/>
+              <a:cs typeface="Leelawadee UI" panose="020B0502040204020203" pitchFamily="34" charset="-34"/>
+            </a:endParaRPr>
+          </a:p>
+        </p:txBody>
+      </p:sp>
+      <p:sp>
+        <p:nvSpPr>
+          <p:cNvPr id="19" name="TextBox 18"/>
+          <p:cNvSpPr txBox="1"/>
+          <p:nvPr/>
+        </p:nvSpPr>
+        <p:spPr>
+          <a:xfrm>
+            <a:off x="9536979" y="1485781"/>
+            <a:ext cx="2070100" cy="1600438"/>
+          </a:xfrm>
+          <a:prstGeom prst="rect">
+            <a:avLst/>
+          </a:prstGeom>
+          <a:noFill/>
+        </p:spPr>
+        <p:txBody>
+          <a:bodyPr wrap="square" rtlCol="0">
+            <a:spAutoFit/>
+          </a:bodyPr>
+          <a:lstStyle/>
+          <a:p>
+            <a:pPr algn="ctr"/>
+            <a:r>
+              <a:rPr lang="en-US" sz="1400" b="1" dirty="0" smtClean="0">
+                <a:latin typeface="Leelawadee UI" panose="020B0502040204020203" pitchFamily="34" charset="-34"/>
+                <a:cs typeface="Leelawadee UI" panose="020B0502040204020203" pitchFamily="34" charset="-34"/>
+              </a:rPr>
+              <a:t>Hue: </a:t>
+            </a:r>
+            <a:r>
+              <a:rPr lang="en-US" sz="1400" dirty="0" smtClean="0">
+                <a:latin typeface="Leelawadee UI" panose="020B0502040204020203" pitchFamily="34" charset="-34"/>
+                <a:cs typeface="Leelawadee UI" panose="020B0502040204020203" pitchFamily="34" charset="-34"/>
+              </a:rPr>
+              <a:t>120</a:t>
+            </a:r>
+          </a:p>
+          <a:p>
+            <a:pPr algn="ctr"/>
+            <a:r>
+              <a:rPr lang="en-US" sz="1400" b="1" dirty="0" smtClean="0">
+                <a:latin typeface="Leelawadee UI" panose="020B0502040204020203" pitchFamily="34" charset="-34"/>
+                <a:cs typeface="Leelawadee UI" panose="020B0502040204020203" pitchFamily="34" charset="-34"/>
+              </a:rPr>
+              <a:t>Saturation: </a:t>
+            </a:r>
+            <a:r>
+              <a:rPr lang="en-US" sz="1400" dirty="0" smtClean="0">
+                <a:latin typeface="Leelawadee UI" panose="020B0502040204020203" pitchFamily="34" charset="-34"/>
+                <a:cs typeface="Leelawadee UI" panose="020B0502040204020203" pitchFamily="34" charset="-34"/>
+              </a:rPr>
+              <a:t>100</a:t>
+            </a:r>
+          </a:p>
+          <a:p>
+            <a:pPr algn="ctr"/>
+            <a:r>
+              <a:rPr lang="en-US" sz="1400" b="1" dirty="0" smtClean="0">
+                <a:latin typeface="Leelawadee UI" panose="020B0502040204020203" pitchFamily="34" charset="-34"/>
+                <a:cs typeface="Leelawadee UI" panose="020B0502040204020203" pitchFamily="34" charset="-34"/>
+              </a:rPr>
+              <a:t>Brightness: </a:t>
+            </a:r>
+            <a:r>
+              <a:rPr lang="en-US" sz="1400" dirty="0" smtClean="0">
+                <a:latin typeface="Leelawadee UI" panose="020B0502040204020203" pitchFamily="34" charset="-34"/>
+                <a:cs typeface="Leelawadee UI" panose="020B0502040204020203" pitchFamily="34" charset="-34"/>
+              </a:rPr>
+              <a:t>100</a:t>
+            </a:r>
+          </a:p>
+          <a:p>
+            <a:pPr algn="ctr"/>
+            <a:endParaRPr lang="en-US" sz="1400" dirty="0">
+              <a:latin typeface="Leelawadee UI" panose="020B0502040204020203" pitchFamily="34" charset="-34"/>
+              <a:cs typeface="Leelawadee UI" panose="020B0502040204020203" pitchFamily="34" charset="-34"/>
+            </a:endParaRPr>
+          </a:p>
+          <a:p>
+            <a:pPr algn="ctr"/>
+            <a:r>
+              <a:rPr lang="en-US" sz="1400" b="1" dirty="0" smtClean="0">
+                <a:latin typeface="Leelawadee UI" panose="020B0502040204020203" pitchFamily="34" charset="-34"/>
+                <a:cs typeface="Leelawadee UI" panose="020B0502040204020203" pitchFamily="34" charset="-34"/>
+              </a:rPr>
+              <a:t>Hex: </a:t>
+            </a:r>
+            <a:r>
+              <a:rPr lang="en-US" sz="1400" dirty="0" smtClean="0">
+                <a:latin typeface="Leelawadee UI" panose="020B0502040204020203" pitchFamily="34" charset="-34"/>
+                <a:cs typeface="Leelawadee UI" panose="020B0502040204020203" pitchFamily="34" charset="-34"/>
+              </a:rPr>
+              <a:t>#00FF01</a:t>
+            </a:r>
+          </a:p>
+          <a:p>
+            <a:pPr algn="ctr"/>
+            <a:endParaRPr lang="en-US" sz="1400" dirty="0">
+              <a:latin typeface="Leelawadee UI" panose="020B0502040204020203" pitchFamily="34" charset="-34"/>
+              <a:cs typeface="Leelawadee UI" panose="020B0502040204020203" pitchFamily="34" charset="-34"/>
+            </a:endParaRPr>
+          </a:p>
+          <a:p>
+            <a:pPr algn="ctr"/>
+            <a:r>
+              <a:rPr lang="en-US" sz="1400" b="1" dirty="0">
+                <a:latin typeface="Leelawadee UI" panose="020B0502040204020203" pitchFamily="34" charset="-34"/>
+                <a:cs typeface="Leelawadee UI" panose="020B0502040204020203" pitchFamily="34" charset="-34"/>
+              </a:rPr>
+              <a:t>RGB: </a:t>
+            </a:r>
+            <a:r>
+              <a:rPr lang="en-US" sz="1400" dirty="0" smtClean="0">
+                <a:latin typeface="Leelawadee UI" panose="020B0502040204020203" pitchFamily="34" charset="-34"/>
+                <a:cs typeface="Leelawadee UI" panose="020B0502040204020203" pitchFamily="34" charset="-34"/>
+              </a:rPr>
+              <a:t>0, 255, 1</a:t>
+            </a:r>
+            <a:endParaRPr lang="en-US" sz="1400" dirty="0">
+              <a:latin typeface="Leelawadee UI" panose="020B0502040204020203" pitchFamily="34" charset="-34"/>
+              <a:cs typeface="Leelawadee UI" panose="020B0502040204020203" pitchFamily="34" charset="-34"/>
+            </a:endParaRPr>
+          </a:p>
+        </p:txBody>
+      </p:sp>
+      <p:sp>
+        <p:nvSpPr>
+          <p:cNvPr id="20" name="TextBox 19"/>
+          <p:cNvSpPr txBox="1"/>
+          <p:nvPr/>
+        </p:nvSpPr>
+        <p:spPr>
+          <a:xfrm>
+            <a:off x="943483" y="4355981"/>
+            <a:ext cx="2070100" cy="1600438"/>
+          </a:xfrm>
+          <a:prstGeom prst="rect">
+            <a:avLst/>
+          </a:prstGeom>
+          <a:noFill/>
+        </p:spPr>
+        <p:txBody>
+          <a:bodyPr wrap="square" rtlCol="0">
+            <a:spAutoFit/>
+          </a:bodyPr>
+          <a:lstStyle/>
+          <a:p>
+            <a:pPr algn="ctr"/>
+            <a:r>
+              <a:rPr lang="en-US" sz="1400" b="1" dirty="0" smtClean="0">
+                <a:latin typeface="Leelawadee UI" panose="020B0502040204020203" pitchFamily="34" charset="-34"/>
+                <a:cs typeface="Leelawadee UI" panose="020B0502040204020203" pitchFamily="34" charset="-34"/>
+              </a:rPr>
+              <a:t>Hue: </a:t>
+            </a:r>
+            <a:r>
+              <a:rPr lang="en-US" sz="1400" dirty="0" smtClean="0">
+                <a:latin typeface="Leelawadee UI" panose="020B0502040204020203" pitchFamily="34" charset="-34"/>
+                <a:cs typeface="Leelawadee UI" panose="020B0502040204020203" pitchFamily="34" charset="-34"/>
+              </a:rPr>
+              <a:t>196</a:t>
+            </a:r>
+          </a:p>
+          <a:p>
+            <a:pPr algn="ctr"/>
+            <a:r>
+              <a:rPr lang="en-US" sz="1400" b="1" dirty="0" smtClean="0">
+                <a:latin typeface="Leelawadee UI" panose="020B0502040204020203" pitchFamily="34" charset="-34"/>
+                <a:cs typeface="Leelawadee UI" panose="020B0502040204020203" pitchFamily="34" charset="-34"/>
+              </a:rPr>
+              <a:t>Saturation: </a:t>
+            </a:r>
+            <a:r>
+              <a:rPr lang="en-US" sz="1400" dirty="0" smtClean="0">
+                <a:latin typeface="Leelawadee UI" panose="020B0502040204020203" pitchFamily="34" charset="-34"/>
+                <a:cs typeface="Leelawadee UI" panose="020B0502040204020203" pitchFamily="34" charset="-34"/>
+              </a:rPr>
+              <a:t>99</a:t>
+            </a:r>
+          </a:p>
+          <a:p>
+            <a:pPr algn="ctr"/>
+            <a:r>
+              <a:rPr lang="en-US" sz="1400" b="1" dirty="0" smtClean="0">
+                <a:latin typeface="Leelawadee UI" panose="020B0502040204020203" pitchFamily="34" charset="-34"/>
+                <a:cs typeface="Leelawadee UI" panose="020B0502040204020203" pitchFamily="34" charset="-34"/>
+              </a:rPr>
+              <a:t>Brightness: </a:t>
+            </a:r>
+            <a:r>
+              <a:rPr lang="en-US" sz="1400" dirty="0" smtClean="0">
+                <a:latin typeface="Leelawadee UI" panose="020B0502040204020203" pitchFamily="34" charset="-34"/>
+                <a:cs typeface="Leelawadee UI" panose="020B0502040204020203" pitchFamily="34" charset="-34"/>
+              </a:rPr>
+              <a:t>64</a:t>
+            </a:r>
+          </a:p>
+          <a:p>
+            <a:pPr algn="ctr"/>
+            <a:endParaRPr lang="en-US" sz="1400" dirty="0">
+              <a:latin typeface="Leelawadee UI" panose="020B0502040204020203" pitchFamily="34" charset="-34"/>
+              <a:cs typeface="Leelawadee UI" panose="020B0502040204020203" pitchFamily="34" charset="-34"/>
+            </a:endParaRPr>
+          </a:p>
+          <a:p>
+            <a:pPr algn="ctr"/>
+            <a:r>
+              <a:rPr lang="en-US" sz="1400" b="1" dirty="0" smtClean="0">
+                <a:latin typeface="Leelawadee UI" panose="020B0502040204020203" pitchFamily="34" charset="-34"/>
+                <a:cs typeface="Leelawadee UI" panose="020B0502040204020203" pitchFamily="34" charset="-34"/>
+              </a:rPr>
+              <a:t>Hex: </a:t>
+            </a:r>
+            <a:r>
+              <a:rPr lang="en-US" sz="1400" dirty="0" smtClean="0">
+                <a:latin typeface="Leelawadee UI" panose="020B0502040204020203" pitchFamily="34" charset="-34"/>
+                <a:cs typeface="Leelawadee UI" panose="020B0502040204020203" pitchFamily="34" charset="-34"/>
+              </a:rPr>
+              <a:t>#0178A2</a:t>
+            </a:r>
+          </a:p>
+          <a:p>
+            <a:pPr algn="ctr"/>
+            <a:endParaRPr lang="en-US" sz="1400" dirty="0">
+              <a:latin typeface="Leelawadee UI" panose="020B0502040204020203" pitchFamily="34" charset="-34"/>
+              <a:cs typeface="Leelawadee UI" panose="020B0502040204020203" pitchFamily="34" charset="-34"/>
+            </a:endParaRPr>
+          </a:p>
+          <a:p>
+            <a:pPr algn="ctr"/>
+            <a:r>
+              <a:rPr lang="en-US" sz="1400" b="1" dirty="0">
+                <a:latin typeface="Leelawadee UI" panose="020B0502040204020203" pitchFamily="34" charset="-34"/>
+                <a:cs typeface="Leelawadee UI" panose="020B0502040204020203" pitchFamily="34" charset="-34"/>
+              </a:rPr>
+              <a:t>RGB: </a:t>
+            </a:r>
+            <a:r>
+              <a:rPr lang="en-US" sz="1400" dirty="0" smtClean="0">
+                <a:latin typeface="Leelawadee UI" panose="020B0502040204020203" pitchFamily="34" charset="-34"/>
+                <a:cs typeface="Leelawadee UI" panose="020B0502040204020203" pitchFamily="34" charset="-34"/>
+              </a:rPr>
+              <a:t>1, 120, 162</a:t>
+            </a:r>
+            <a:endParaRPr lang="en-US" sz="1400" dirty="0">
+              <a:latin typeface="Leelawadee UI" panose="020B0502040204020203" pitchFamily="34" charset="-34"/>
+              <a:cs typeface="Leelawadee UI" panose="020B0502040204020203" pitchFamily="34" charset="-34"/>
+            </a:endParaRPr>
+          </a:p>
+        </p:txBody>
+      </p:sp>
+      <p:sp>
+        <p:nvSpPr>
+          <p:cNvPr id="21" name="TextBox 20"/>
+          <p:cNvSpPr txBox="1"/>
+          <p:nvPr/>
+        </p:nvSpPr>
+        <p:spPr>
+          <a:xfrm>
+            <a:off x="3807982" y="4355981"/>
+            <a:ext cx="2070100" cy="1600438"/>
+          </a:xfrm>
+          <a:prstGeom prst="rect">
+            <a:avLst/>
+          </a:prstGeom>
+          <a:noFill/>
+        </p:spPr>
+        <p:txBody>
+          <a:bodyPr wrap="square" rtlCol="0">
+            <a:spAutoFit/>
+          </a:bodyPr>
+          <a:lstStyle/>
+          <a:p>
+            <a:pPr algn="ctr"/>
+            <a:r>
+              <a:rPr lang="en-US" sz="1400" b="1" dirty="0" smtClean="0">
+                <a:latin typeface="Leelawadee UI" panose="020B0502040204020203" pitchFamily="34" charset="-34"/>
+                <a:cs typeface="Leelawadee UI" panose="020B0502040204020203" pitchFamily="34" charset="-34"/>
+              </a:rPr>
+              <a:t>Hue: </a:t>
+            </a:r>
+            <a:r>
+              <a:rPr lang="en-US" sz="1400" dirty="0" smtClean="0">
+                <a:latin typeface="Leelawadee UI" panose="020B0502040204020203" pitchFamily="34" charset="-34"/>
+                <a:cs typeface="Leelawadee UI" panose="020B0502040204020203" pitchFamily="34" charset="-34"/>
+              </a:rPr>
+              <a:t>59</a:t>
+            </a:r>
+          </a:p>
+          <a:p>
+            <a:pPr algn="ctr"/>
+            <a:r>
+              <a:rPr lang="en-US" sz="1400" b="1" dirty="0" smtClean="0">
+                <a:latin typeface="Leelawadee UI" panose="020B0502040204020203" pitchFamily="34" charset="-34"/>
+                <a:cs typeface="Leelawadee UI" panose="020B0502040204020203" pitchFamily="34" charset="-34"/>
+              </a:rPr>
+              <a:t>Saturation: </a:t>
+            </a:r>
+            <a:r>
+              <a:rPr lang="en-US" sz="1400" dirty="0" smtClean="0">
+                <a:latin typeface="Leelawadee UI" panose="020B0502040204020203" pitchFamily="34" charset="-34"/>
+                <a:cs typeface="Leelawadee UI" panose="020B0502040204020203" pitchFamily="34" charset="-34"/>
+              </a:rPr>
+              <a:t>100</a:t>
+            </a:r>
+          </a:p>
+          <a:p>
+            <a:pPr algn="ctr"/>
+            <a:r>
+              <a:rPr lang="en-US" sz="1400" b="1" dirty="0" smtClean="0">
+                <a:latin typeface="Leelawadee UI" panose="020B0502040204020203" pitchFamily="34" charset="-34"/>
+                <a:cs typeface="Leelawadee UI" panose="020B0502040204020203" pitchFamily="34" charset="-34"/>
+              </a:rPr>
+              <a:t>Brightness: </a:t>
+            </a:r>
+            <a:r>
+              <a:rPr lang="en-US" sz="1400" dirty="0" smtClean="0">
+                <a:latin typeface="Leelawadee UI" panose="020B0502040204020203" pitchFamily="34" charset="-34"/>
+                <a:cs typeface="Leelawadee UI" panose="020B0502040204020203" pitchFamily="34" charset="-34"/>
+              </a:rPr>
+              <a:t>74</a:t>
+            </a:r>
+          </a:p>
+          <a:p>
+            <a:pPr algn="ctr"/>
+            <a:endParaRPr lang="en-US" sz="1400" dirty="0">
+              <a:latin typeface="Leelawadee UI" panose="020B0502040204020203" pitchFamily="34" charset="-34"/>
+              <a:cs typeface="Leelawadee UI" panose="020B0502040204020203" pitchFamily="34" charset="-34"/>
+            </a:endParaRPr>
+          </a:p>
+          <a:p>
+            <a:pPr algn="ctr"/>
+            <a:r>
+              <a:rPr lang="en-US" sz="1400" b="1" dirty="0" smtClean="0">
+                <a:latin typeface="Leelawadee UI" panose="020B0502040204020203" pitchFamily="34" charset="-34"/>
+                <a:cs typeface="Leelawadee UI" panose="020B0502040204020203" pitchFamily="34" charset="-34"/>
+              </a:rPr>
+              <a:t>Hex: </a:t>
+            </a:r>
+            <a:r>
+              <a:rPr lang="en-US" sz="1400" dirty="0" smtClean="0">
+                <a:latin typeface="Leelawadee UI" panose="020B0502040204020203" pitchFamily="34" charset="-34"/>
+                <a:cs typeface="Leelawadee UI" panose="020B0502040204020203" pitchFamily="34" charset="-34"/>
+              </a:rPr>
+              <a:t>#BCB800</a:t>
+            </a:r>
+          </a:p>
+          <a:p>
+            <a:pPr algn="ctr"/>
+            <a:endParaRPr lang="en-US" sz="1400" dirty="0">
+              <a:latin typeface="Leelawadee UI" panose="020B0502040204020203" pitchFamily="34" charset="-34"/>
+              <a:cs typeface="Leelawadee UI" panose="020B0502040204020203" pitchFamily="34" charset="-34"/>
+            </a:endParaRPr>
+          </a:p>
+          <a:p>
+            <a:pPr algn="ctr"/>
+            <a:r>
+              <a:rPr lang="en-US" sz="1400" b="1" dirty="0">
+                <a:latin typeface="Leelawadee UI" panose="020B0502040204020203" pitchFamily="34" charset="-34"/>
+                <a:cs typeface="Leelawadee UI" panose="020B0502040204020203" pitchFamily="34" charset="-34"/>
+              </a:rPr>
+              <a:t>RGB: </a:t>
+            </a:r>
+            <a:r>
+              <a:rPr lang="en-US" sz="1400" dirty="0" smtClean="0">
+                <a:latin typeface="Leelawadee UI" panose="020B0502040204020203" pitchFamily="34" charset="-34"/>
+                <a:cs typeface="Leelawadee UI" panose="020B0502040204020203" pitchFamily="34" charset="-34"/>
+              </a:rPr>
+              <a:t>188, 184, 0</a:t>
+            </a:r>
+            <a:endParaRPr lang="en-US" sz="1400" dirty="0">
+              <a:latin typeface="Leelawadee UI" panose="020B0502040204020203" pitchFamily="34" charset="-34"/>
+              <a:cs typeface="Leelawadee UI" panose="020B0502040204020203" pitchFamily="34" charset="-34"/>
+            </a:endParaRPr>
+          </a:p>
+        </p:txBody>
+      </p:sp>
+      <p:sp>
+        <p:nvSpPr>
+          <p:cNvPr id="22" name="TextBox 21"/>
+          <p:cNvSpPr txBox="1"/>
+          <p:nvPr/>
+        </p:nvSpPr>
+        <p:spPr>
+          <a:xfrm>
+            <a:off x="6674865" y="4355981"/>
+            <a:ext cx="2070100" cy="1600438"/>
+          </a:xfrm>
+          <a:prstGeom prst="rect">
+            <a:avLst/>
+          </a:prstGeom>
+          <a:noFill/>
+        </p:spPr>
+        <p:txBody>
+          <a:bodyPr wrap="square" rtlCol="0">
+            <a:spAutoFit/>
+          </a:bodyPr>
+          <a:lstStyle/>
+          <a:p>
+            <a:pPr algn="ctr"/>
+            <a:r>
+              <a:rPr lang="en-US" sz="1400" b="1" dirty="0" smtClean="0">
+                <a:latin typeface="Leelawadee UI" panose="020B0502040204020203" pitchFamily="34" charset="-34"/>
+                <a:cs typeface="Leelawadee UI" panose="020B0502040204020203" pitchFamily="34" charset="-34"/>
+              </a:rPr>
+              <a:t>Hue: </a:t>
+            </a:r>
+            <a:r>
+              <a:rPr lang="en-US" sz="1400" dirty="0" smtClean="0">
+                <a:latin typeface="Leelawadee UI" panose="020B0502040204020203" pitchFamily="34" charset="-34"/>
+                <a:cs typeface="Leelawadee UI" panose="020B0502040204020203" pitchFamily="34" charset="-34"/>
+              </a:rPr>
+              <a:t>0</a:t>
+            </a:r>
+          </a:p>
+          <a:p>
+            <a:pPr algn="ctr"/>
+            <a:r>
+              <a:rPr lang="en-US" sz="1400" b="1" dirty="0" smtClean="0">
+                <a:latin typeface="Leelawadee UI" panose="020B0502040204020203" pitchFamily="34" charset="-34"/>
+                <a:cs typeface="Leelawadee UI" panose="020B0502040204020203" pitchFamily="34" charset="-34"/>
+              </a:rPr>
+              <a:t>Saturation: </a:t>
+            </a:r>
+            <a:r>
+              <a:rPr lang="en-US" sz="1400" dirty="0" smtClean="0">
+                <a:latin typeface="Leelawadee UI" panose="020B0502040204020203" pitchFamily="34" charset="-34"/>
+                <a:cs typeface="Leelawadee UI" panose="020B0502040204020203" pitchFamily="34" charset="-34"/>
+              </a:rPr>
+              <a:t>100</a:t>
+            </a:r>
+          </a:p>
+          <a:p>
+            <a:pPr algn="ctr"/>
+            <a:r>
+              <a:rPr lang="en-US" sz="1400" b="1" dirty="0" smtClean="0">
+                <a:latin typeface="Leelawadee UI" panose="020B0502040204020203" pitchFamily="34" charset="-34"/>
+                <a:cs typeface="Leelawadee UI" panose="020B0502040204020203" pitchFamily="34" charset="-34"/>
+              </a:rPr>
+              <a:t>Brightness: </a:t>
+            </a:r>
+            <a:r>
+              <a:rPr lang="en-US" sz="1400" dirty="0" smtClean="0">
+                <a:latin typeface="Leelawadee UI" panose="020B0502040204020203" pitchFamily="34" charset="-34"/>
+                <a:cs typeface="Leelawadee UI" panose="020B0502040204020203" pitchFamily="34" charset="-34"/>
+              </a:rPr>
+              <a:t>64</a:t>
+            </a:r>
+          </a:p>
+          <a:p>
+            <a:pPr algn="ctr"/>
+            <a:endParaRPr lang="en-US" sz="1400" dirty="0">
+              <a:latin typeface="Leelawadee UI" panose="020B0502040204020203" pitchFamily="34" charset="-34"/>
+              <a:cs typeface="Leelawadee UI" panose="020B0502040204020203" pitchFamily="34" charset="-34"/>
+            </a:endParaRPr>
+          </a:p>
+          <a:p>
+            <a:pPr algn="ctr"/>
+            <a:r>
+              <a:rPr lang="en-US" sz="1400" b="1" dirty="0" smtClean="0">
+                <a:latin typeface="Leelawadee UI" panose="020B0502040204020203" pitchFamily="34" charset="-34"/>
+                <a:cs typeface="Leelawadee UI" panose="020B0502040204020203" pitchFamily="34" charset="-34"/>
+              </a:rPr>
+              <a:t>Hex: </a:t>
+            </a:r>
+            <a:r>
+              <a:rPr lang="en-US" sz="1400" dirty="0" smtClean="0">
+                <a:latin typeface="Leelawadee UI" panose="020B0502040204020203" pitchFamily="34" charset="-34"/>
+                <a:cs typeface="Leelawadee UI" panose="020B0502040204020203" pitchFamily="34" charset="-34"/>
+              </a:rPr>
+              <a:t>#A40000</a:t>
+            </a:r>
+          </a:p>
+          <a:p>
+            <a:pPr algn="ctr"/>
+            <a:endParaRPr lang="en-US" sz="1400" dirty="0">
+              <a:latin typeface="Leelawadee UI" panose="020B0502040204020203" pitchFamily="34" charset="-34"/>
+              <a:cs typeface="Leelawadee UI" panose="020B0502040204020203" pitchFamily="34" charset="-34"/>
+            </a:endParaRPr>
+          </a:p>
+          <a:p>
+            <a:pPr algn="ctr"/>
+            <a:r>
+              <a:rPr lang="en-US" sz="1400" b="1" dirty="0">
+                <a:latin typeface="Leelawadee UI" panose="020B0502040204020203" pitchFamily="34" charset="-34"/>
+                <a:cs typeface="Leelawadee UI" panose="020B0502040204020203" pitchFamily="34" charset="-34"/>
+              </a:rPr>
+              <a:t>RGB: </a:t>
+            </a:r>
+            <a:r>
+              <a:rPr lang="en-US" sz="1400" dirty="0" smtClean="0">
+                <a:latin typeface="Leelawadee UI" panose="020B0502040204020203" pitchFamily="34" charset="-34"/>
+                <a:cs typeface="Leelawadee UI" panose="020B0502040204020203" pitchFamily="34" charset="-34"/>
+              </a:rPr>
+              <a:t>164, 0, 0</a:t>
+            </a:r>
+            <a:endParaRPr lang="en-US" sz="1400" dirty="0">
+              <a:latin typeface="Leelawadee UI" panose="020B0502040204020203" pitchFamily="34" charset="-34"/>
+              <a:cs typeface="Leelawadee UI" panose="020B0502040204020203" pitchFamily="34" charset="-34"/>
+            </a:endParaRPr>
+          </a:p>
+        </p:txBody>
+      </p:sp>
+      <p:sp>
+        <p:nvSpPr>
+          <p:cNvPr id="23" name="TextBox 22"/>
+          <p:cNvSpPr txBox="1"/>
+          <p:nvPr/>
+        </p:nvSpPr>
+        <p:spPr>
+          <a:xfrm>
+            <a:off x="9536979" y="4355981"/>
+            <a:ext cx="2070100" cy="1600438"/>
+          </a:xfrm>
+          <a:prstGeom prst="rect">
+            <a:avLst/>
+          </a:prstGeom>
+          <a:noFill/>
+        </p:spPr>
+        <p:txBody>
+          <a:bodyPr wrap="square" rtlCol="0">
+            <a:spAutoFit/>
+          </a:bodyPr>
+          <a:lstStyle/>
+          <a:p>
+            <a:pPr algn="ctr"/>
+            <a:r>
+              <a:rPr lang="en-US" sz="1400" b="1" dirty="0" smtClean="0">
+                <a:latin typeface="Leelawadee UI" panose="020B0502040204020203" pitchFamily="34" charset="-34"/>
+                <a:cs typeface="Leelawadee UI" panose="020B0502040204020203" pitchFamily="34" charset="-34"/>
+              </a:rPr>
+              <a:t>Hue: </a:t>
+            </a:r>
+            <a:r>
+              <a:rPr lang="en-US" sz="1400" dirty="0" smtClean="0">
+                <a:latin typeface="Leelawadee UI" panose="020B0502040204020203" pitchFamily="34" charset="-34"/>
+                <a:cs typeface="Leelawadee UI" panose="020B0502040204020203" pitchFamily="34" charset="-34"/>
+              </a:rPr>
+              <a:t>120</a:t>
+            </a:r>
+          </a:p>
+          <a:p>
+            <a:pPr algn="ctr"/>
+            <a:r>
+              <a:rPr lang="en-US" sz="1400" b="1" dirty="0" smtClean="0">
+                <a:latin typeface="Leelawadee UI" panose="020B0502040204020203" pitchFamily="34" charset="-34"/>
+                <a:cs typeface="Leelawadee UI" panose="020B0502040204020203" pitchFamily="34" charset="-34"/>
+              </a:rPr>
+              <a:t>Saturation: </a:t>
+            </a:r>
+            <a:r>
+              <a:rPr lang="en-US" sz="1400" dirty="0" smtClean="0">
+                <a:latin typeface="Leelawadee UI" panose="020B0502040204020203" pitchFamily="34" charset="-34"/>
+                <a:cs typeface="Leelawadee UI" panose="020B0502040204020203" pitchFamily="34" charset="-34"/>
+              </a:rPr>
+              <a:t>100</a:t>
+            </a:r>
+          </a:p>
+          <a:p>
+            <a:pPr algn="ctr"/>
+            <a:r>
+              <a:rPr lang="en-US" sz="1400" b="1" dirty="0" smtClean="0">
+                <a:latin typeface="Leelawadee UI" panose="020B0502040204020203" pitchFamily="34" charset="-34"/>
+                <a:cs typeface="Leelawadee UI" panose="020B0502040204020203" pitchFamily="34" charset="-34"/>
+              </a:rPr>
+              <a:t>Brightness: </a:t>
+            </a:r>
+            <a:r>
+              <a:rPr lang="en-US" sz="1400" dirty="0" smtClean="0">
+                <a:latin typeface="Leelawadee UI" panose="020B0502040204020203" pitchFamily="34" charset="-34"/>
+                <a:cs typeface="Leelawadee UI" panose="020B0502040204020203" pitchFamily="34" charset="-34"/>
+              </a:rPr>
+              <a:t>66</a:t>
+            </a:r>
+          </a:p>
+          <a:p>
+            <a:pPr algn="ctr"/>
+            <a:endParaRPr lang="en-US" sz="1400" dirty="0">
+              <a:latin typeface="Leelawadee UI" panose="020B0502040204020203" pitchFamily="34" charset="-34"/>
+              <a:cs typeface="Leelawadee UI" panose="020B0502040204020203" pitchFamily="34" charset="-34"/>
+            </a:endParaRPr>
+          </a:p>
+          <a:p>
+            <a:pPr algn="ctr"/>
+            <a:r>
+              <a:rPr lang="en-US" sz="1400" b="1" dirty="0" smtClean="0">
+                <a:latin typeface="Leelawadee UI" panose="020B0502040204020203" pitchFamily="34" charset="-34"/>
+                <a:cs typeface="Leelawadee UI" panose="020B0502040204020203" pitchFamily="34" charset="-34"/>
+              </a:rPr>
+              <a:t>Hex: </a:t>
+            </a:r>
+            <a:r>
+              <a:rPr lang="en-US" sz="1400" dirty="0" smtClean="0">
+                <a:latin typeface="Leelawadee UI" panose="020B0502040204020203" pitchFamily="34" charset="-34"/>
+                <a:cs typeface="Leelawadee UI" panose="020B0502040204020203" pitchFamily="34" charset="-34"/>
+              </a:rPr>
+              <a:t>#01A800</a:t>
+            </a:r>
+          </a:p>
+          <a:p>
+            <a:pPr algn="ctr"/>
+            <a:endParaRPr lang="en-US" sz="1400" dirty="0">
+              <a:latin typeface="Leelawadee UI" panose="020B0502040204020203" pitchFamily="34" charset="-34"/>
+              <a:cs typeface="Leelawadee UI" panose="020B0502040204020203" pitchFamily="34" charset="-34"/>
+            </a:endParaRPr>
+          </a:p>
+          <a:p>
+            <a:pPr algn="ctr"/>
+            <a:r>
+              <a:rPr lang="en-US" sz="1400" b="1" dirty="0">
+                <a:latin typeface="Leelawadee UI" panose="020B0502040204020203" pitchFamily="34" charset="-34"/>
+                <a:cs typeface="Leelawadee UI" panose="020B0502040204020203" pitchFamily="34" charset="-34"/>
+              </a:rPr>
+              <a:t>RGB: </a:t>
+            </a:r>
+            <a:r>
+              <a:rPr lang="en-US" sz="1400" dirty="0" smtClean="0">
+                <a:latin typeface="Leelawadee UI" panose="020B0502040204020203" pitchFamily="34" charset="-34"/>
+                <a:cs typeface="Leelawadee UI" panose="020B0502040204020203" pitchFamily="34" charset="-34"/>
+              </a:rPr>
+              <a:t>1, 168, 0</a:t>
+            </a:r>
+            <a:endParaRPr lang="en-US" sz="1400" dirty="0">
+              <a:latin typeface="Leelawadee UI" panose="020B0502040204020203" pitchFamily="34" charset="-34"/>
+              <a:cs typeface="Leelawadee UI" panose="020B0502040204020203" pitchFamily="34" charset="-34"/>
+            </a:endParaRPr>
+          </a:p>
+        </p:txBody>
+      </p:sp>
+    </p:spTree>
+    <p:extLst>
+      <p:ext uri="{BB962C8B-B14F-4D97-AF65-F5344CB8AC3E}">
+        <p14:creationId xmlns:p14="http://schemas.microsoft.com/office/powerpoint/2010/main" val="4036708067"/>
+      </p:ext>
+    </p:extLst>
+  </p:cSld>
+  <p:clrMapOvr>
+    <a:masterClrMapping/>
+  </p:clrMapOvr>
+</p:sld>
+</file>
+
+<file path=ppt/slides/slide3.xml><?xml version="1.0" encoding="utf-8"?>
+<p:sld xmlns:a="http://schemas.openxmlformats.org/drawingml/2006/main" xmlns:r="http://schemas.openxmlformats.org/officeDocument/2006/relationships" xmlns:p="http://schemas.openxmlformats.org/presentationml/2006/main">
+  <p:cSld>
+    <p:spTree>
+      <p:nvGrpSpPr>
+        <p:cNvPr id="1" name=""/>
+        <p:cNvGrpSpPr/>
+        <p:nvPr/>
+      </p:nvGrpSpPr>
+      <p:grpSpPr>
+        <a:xfrm>
+          <a:off x="0" y="0"/>
+          <a:ext cx="0" cy="0"/>
+          <a:chOff x="0" y="0"/>
+          <a:chExt cx="0" cy="0"/>
+        </a:xfrm>
+      </p:grpSpPr>
+      <p:pic>
+        <p:nvPicPr>
+          <p:cNvPr id="12" name="Picture 11"/>
+          <p:cNvPicPr>
+            <a:picLocks noChangeAspect="1"/>
+          </p:cNvPicPr>
+          <p:nvPr/>
+        </p:nvPicPr>
+        <p:blipFill>
+          <a:blip r:embed="rId2">
+            <a:extLst>
+              <a:ext uri="{28A0092B-C50C-407E-A947-70E740481C1C}">
+                <a14:useLocalDpi xmlns:a14="http://schemas.microsoft.com/office/drawing/2010/main" val="0"/>
+              </a:ext>
+            </a:extLst>
+          </a:blip>
+          <a:stretch>
+            <a:fillRect/>
+          </a:stretch>
+        </p:blipFill>
+        <p:spPr>
+          <a:xfrm>
+            <a:off x="683133" y="1138238"/>
+            <a:ext cx="2286000" cy="2281238"/>
+          </a:xfrm>
+          <a:prstGeom prst="rect">
+            <a:avLst/>
+          </a:prstGeom>
+        </p:spPr>
+      </p:pic>
+      <p:pic>
+        <p:nvPicPr>
+          <p:cNvPr id="13" name="Picture 12"/>
+          <p:cNvPicPr>
+            <a:picLocks noChangeAspect="1"/>
+          </p:cNvPicPr>
+          <p:nvPr/>
+        </p:nvPicPr>
+        <p:blipFill>
+          <a:blip r:embed="rId3">
+            <a:extLst>
+              <a:ext uri="{28A0092B-C50C-407E-A947-70E740481C1C}">
+                <a14:useLocalDpi xmlns:a14="http://schemas.microsoft.com/office/drawing/2010/main" val="0"/>
+              </a:ext>
+            </a:extLst>
+          </a:blip>
+          <a:stretch>
+            <a:fillRect/>
+          </a:stretch>
+        </p:blipFill>
+        <p:spPr>
+          <a:xfrm>
+            <a:off x="683133" y="4003221"/>
+            <a:ext cx="2286000" cy="2281238"/>
+          </a:xfrm>
+          <a:prstGeom prst="rect">
+            <a:avLst/>
+          </a:prstGeom>
+        </p:spPr>
+      </p:pic>
+      <p:pic>
+        <p:nvPicPr>
+          <p:cNvPr id="14" name="Picture 13"/>
+          <p:cNvPicPr>
+            <a:picLocks noChangeAspect="1"/>
+          </p:cNvPicPr>
+          <p:nvPr/>
+        </p:nvPicPr>
+        <p:blipFill>
+          <a:blip r:embed="rId4">
+            <a:extLst>
+              <a:ext uri="{28A0092B-C50C-407E-A947-70E740481C1C}">
+                <a14:useLocalDpi xmlns:a14="http://schemas.microsoft.com/office/drawing/2010/main" val="0"/>
+              </a:ext>
+            </a:extLst>
+          </a:blip>
+          <a:stretch>
+            <a:fillRect/>
+          </a:stretch>
+        </p:blipFill>
+        <p:spPr>
+          <a:xfrm>
+            <a:off x="3700032" y="1138238"/>
+            <a:ext cx="2286000" cy="2286000"/>
+          </a:xfrm>
+          <a:prstGeom prst="rect">
+            <a:avLst/>
+          </a:prstGeom>
+        </p:spPr>
+      </p:pic>
+      <p:pic>
+        <p:nvPicPr>
+          <p:cNvPr id="15" name="Picture 14"/>
+          <p:cNvPicPr>
+            <a:picLocks noChangeAspect="1"/>
+          </p:cNvPicPr>
+          <p:nvPr/>
+        </p:nvPicPr>
+        <p:blipFill>
+          <a:blip r:embed="rId5">
+            <a:extLst>
+              <a:ext uri="{28A0092B-C50C-407E-A947-70E740481C1C}">
+                <a14:useLocalDpi xmlns:a14="http://schemas.microsoft.com/office/drawing/2010/main" val="0"/>
+              </a:ext>
+            </a:extLst>
+          </a:blip>
+          <a:stretch>
+            <a:fillRect/>
+          </a:stretch>
+        </p:blipFill>
+        <p:spPr>
+          <a:xfrm>
+            <a:off x="3695261" y="3998459"/>
+            <a:ext cx="2286000" cy="2286000"/>
+          </a:xfrm>
+          <a:prstGeom prst="rect">
+            <a:avLst/>
+          </a:prstGeom>
+        </p:spPr>
+      </p:pic>
+      <p:pic>
+        <p:nvPicPr>
+          <p:cNvPr id="16" name="Picture 15"/>
+          <p:cNvPicPr>
+            <a:picLocks noChangeAspect="1"/>
+          </p:cNvPicPr>
+          <p:nvPr/>
+        </p:nvPicPr>
+        <p:blipFill>
+          <a:blip r:embed="rId6">
+            <a:extLst>
+              <a:ext uri="{28A0092B-C50C-407E-A947-70E740481C1C}">
+                <a14:useLocalDpi xmlns:a14="http://schemas.microsoft.com/office/drawing/2010/main" val="0"/>
+              </a:ext>
+            </a:extLst>
+          </a:blip>
+          <a:stretch>
+            <a:fillRect/>
+          </a:stretch>
+        </p:blipFill>
+        <p:spPr>
+          <a:xfrm>
+            <a:off x="6714545" y="1138238"/>
+            <a:ext cx="2286000" cy="2286000"/>
+          </a:xfrm>
+          <a:prstGeom prst="rect">
+            <a:avLst/>
+          </a:prstGeom>
+        </p:spPr>
+      </p:pic>
+      <p:pic>
+        <p:nvPicPr>
+          <p:cNvPr id="17" name="Picture 16"/>
+          <p:cNvPicPr>
+            <a:picLocks noChangeAspect="1"/>
+          </p:cNvPicPr>
+          <p:nvPr/>
+        </p:nvPicPr>
+        <p:blipFill>
+          <a:blip r:embed="rId7">
+            <a:extLst>
+              <a:ext uri="{28A0092B-C50C-407E-A947-70E740481C1C}">
+                <a14:useLocalDpi xmlns:a14="http://schemas.microsoft.com/office/drawing/2010/main" val="0"/>
+              </a:ext>
+            </a:extLst>
+          </a:blip>
+          <a:stretch>
+            <a:fillRect/>
+          </a:stretch>
+        </p:blipFill>
+        <p:spPr>
+          <a:xfrm>
+            <a:off x="6721701" y="3998459"/>
+            <a:ext cx="2286000" cy="2286000"/>
+          </a:xfrm>
+          <a:prstGeom prst="rect">
+            <a:avLst/>
+          </a:prstGeom>
+        </p:spPr>
+      </p:pic>
+      <p:pic>
+        <p:nvPicPr>
+          <p:cNvPr id="18" name="Picture 17"/>
+          <p:cNvPicPr>
+            <a:picLocks noChangeAspect="1"/>
+          </p:cNvPicPr>
+          <p:nvPr/>
+        </p:nvPicPr>
+        <p:blipFill>
+          <a:blip r:embed="rId8">
+            <a:extLst>
+              <a:ext uri="{28A0092B-C50C-407E-A947-70E740481C1C}">
+                <a14:useLocalDpi xmlns:a14="http://schemas.microsoft.com/office/drawing/2010/main" val="0"/>
+              </a:ext>
+            </a:extLst>
+          </a:blip>
+          <a:stretch>
+            <a:fillRect/>
+          </a:stretch>
+        </p:blipFill>
+        <p:spPr>
+          <a:xfrm>
+            <a:off x="9729058" y="1138238"/>
+            <a:ext cx="2286000" cy="2286000"/>
+          </a:xfrm>
+          <a:prstGeom prst="rect">
+            <a:avLst/>
+          </a:prstGeom>
+        </p:spPr>
+      </p:pic>
+      <p:pic>
+        <p:nvPicPr>
+          <p:cNvPr id="19" name="Picture 18"/>
+          <p:cNvPicPr>
+            <a:picLocks noChangeAspect="1"/>
+          </p:cNvPicPr>
+          <p:nvPr/>
+        </p:nvPicPr>
+        <p:blipFill>
+          <a:blip r:embed="rId9">
+            <a:extLst>
+              <a:ext uri="{28A0092B-C50C-407E-A947-70E740481C1C}">
+                <a14:useLocalDpi xmlns:a14="http://schemas.microsoft.com/office/drawing/2010/main" val="0"/>
+              </a:ext>
+            </a:extLst>
+          </a:blip>
+          <a:stretch>
+            <a:fillRect/>
+          </a:stretch>
+        </p:blipFill>
+        <p:spPr>
+          <a:xfrm>
+            <a:off x="9729058" y="3998459"/>
+            <a:ext cx="2286000" cy="2286000"/>
+          </a:xfrm>
+          <a:prstGeom prst="rect">
+            <a:avLst/>
+          </a:prstGeom>
+        </p:spPr>
+      </p:pic>
+      <p:sp>
+        <p:nvSpPr>
+          <p:cNvPr id="20" name="TextBox 19"/>
+          <p:cNvSpPr txBox="1"/>
+          <p:nvPr/>
+        </p:nvSpPr>
+        <p:spPr>
+          <a:xfrm>
+            <a:off x="791083" y="4343621"/>
+            <a:ext cx="2070100" cy="1600438"/>
+          </a:xfrm>
+          <a:prstGeom prst="rect">
+            <a:avLst/>
+          </a:prstGeom>
+          <a:noFill/>
+        </p:spPr>
+        <p:txBody>
+          <a:bodyPr wrap="square" rtlCol="0">
+            <a:spAutoFit/>
+          </a:bodyPr>
+          <a:lstStyle/>
+          <a:p>
+            <a:pPr algn="ctr"/>
+            <a:r>
+              <a:rPr lang="en-US" sz="1400" b="1" dirty="0" smtClean="0">
+                <a:latin typeface="Leelawadee UI" panose="020B0502040204020203" pitchFamily="34" charset="-34"/>
+                <a:cs typeface="Leelawadee UI" panose="020B0502040204020203" pitchFamily="34" charset="-34"/>
+              </a:rPr>
+              <a:t>Hue: </a:t>
+            </a:r>
+            <a:r>
+              <a:rPr lang="en-US" sz="1400" dirty="0" smtClean="0">
+                <a:latin typeface="Leelawadee UI" panose="020B0502040204020203" pitchFamily="34" charset="-34"/>
+                <a:cs typeface="Leelawadee UI" panose="020B0502040204020203" pitchFamily="34" charset="-34"/>
+              </a:rPr>
+              <a:t>196</a:t>
+            </a:r>
+          </a:p>
+          <a:p>
+            <a:pPr algn="ctr"/>
+            <a:r>
+              <a:rPr lang="en-US" sz="1400" b="1" dirty="0" smtClean="0">
+                <a:latin typeface="Leelawadee UI" panose="020B0502040204020203" pitchFamily="34" charset="-34"/>
+                <a:cs typeface="Leelawadee UI" panose="020B0502040204020203" pitchFamily="34" charset="-34"/>
+              </a:rPr>
+              <a:t>Saturation: </a:t>
+            </a:r>
+            <a:r>
+              <a:rPr lang="en-US" sz="1400" dirty="0" smtClean="0">
+                <a:latin typeface="Leelawadee UI" panose="020B0502040204020203" pitchFamily="34" charset="-34"/>
+                <a:cs typeface="Leelawadee UI" panose="020B0502040204020203" pitchFamily="34" charset="-34"/>
+              </a:rPr>
+              <a:t>100</a:t>
+            </a:r>
+          </a:p>
+          <a:p>
+            <a:pPr algn="ctr"/>
+            <a:r>
+              <a:rPr lang="en-US" sz="1400" b="1" dirty="0" smtClean="0">
+                <a:latin typeface="Leelawadee UI" panose="020B0502040204020203" pitchFamily="34" charset="-34"/>
+                <a:cs typeface="Leelawadee UI" panose="020B0502040204020203" pitchFamily="34" charset="-34"/>
+              </a:rPr>
+              <a:t>Brightness: </a:t>
+            </a:r>
+            <a:r>
+              <a:rPr lang="en-US" sz="1400" dirty="0" smtClean="0">
+                <a:latin typeface="Leelawadee UI" panose="020B0502040204020203" pitchFamily="34" charset="-34"/>
+                <a:cs typeface="Leelawadee UI" panose="020B0502040204020203" pitchFamily="34" charset="-34"/>
+              </a:rPr>
+              <a:t>95</a:t>
+            </a:r>
+          </a:p>
+          <a:p>
+            <a:pPr algn="ctr"/>
+            <a:endParaRPr lang="en-US" sz="1400" dirty="0">
+              <a:latin typeface="Leelawadee UI" panose="020B0502040204020203" pitchFamily="34" charset="-34"/>
+              <a:cs typeface="Leelawadee UI" panose="020B0502040204020203" pitchFamily="34" charset="-34"/>
+            </a:endParaRPr>
+          </a:p>
+          <a:p>
+            <a:pPr algn="ctr"/>
+            <a:r>
+              <a:rPr lang="en-US" sz="1400" b="1" dirty="0" smtClean="0">
+                <a:latin typeface="Leelawadee UI" panose="020B0502040204020203" pitchFamily="34" charset="-34"/>
+                <a:cs typeface="Leelawadee UI" panose="020B0502040204020203" pitchFamily="34" charset="-34"/>
+              </a:rPr>
+              <a:t>Hex: </a:t>
+            </a:r>
+            <a:r>
+              <a:rPr lang="en-US" sz="1400" dirty="0" smtClean="0">
+                <a:latin typeface="Leelawadee UI" panose="020B0502040204020203" pitchFamily="34" charset="-34"/>
+                <a:cs typeface="Leelawadee UI" panose="020B0502040204020203" pitchFamily="34" charset="-34"/>
+              </a:rPr>
+              <a:t>#01B0F1</a:t>
+            </a:r>
+          </a:p>
+          <a:p>
+            <a:pPr algn="ctr"/>
+            <a:endParaRPr lang="en-US" sz="1400" dirty="0">
+              <a:latin typeface="Leelawadee UI" panose="020B0502040204020203" pitchFamily="34" charset="-34"/>
+              <a:cs typeface="Leelawadee UI" panose="020B0502040204020203" pitchFamily="34" charset="-34"/>
+            </a:endParaRPr>
+          </a:p>
+          <a:p>
+            <a:pPr algn="ctr"/>
+            <a:r>
+              <a:rPr lang="en-US" sz="1400" b="1" dirty="0">
+                <a:latin typeface="Leelawadee UI" panose="020B0502040204020203" pitchFamily="34" charset="-34"/>
+                <a:cs typeface="Leelawadee UI" panose="020B0502040204020203" pitchFamily="34" charset="-34"/>
+              </a:rPr>
+              <a:t>RGB: </a:t>
+            </a:r>
+            <a:r>
+              <a:rPr lang="en-US" sz="1400" dirty="0">
+                <a:latin typeface="Leelawadee UI" panose="020B0502040204020203" pitchFamily="34" charset="-34"/>
+                <a:cs typeface="Leelawadee UI" panose="020B0502040204020203" pitchFamily="34" charset="-34"/>
+              </a:rPr>
+              <a:t>1, 176, </a:t>
+            </a:r>
+            <a:r>
+              <a:rPr lang="en-US" sz="1400" dirty="0" smtClean="0">
+                <a:latin typeface="Leelawadee UI" panose="020B0502040204020203" pitchFamily="34" charset="-34"/>
+                <a:cs typeface="Leelawadee UI" panose="020B0502040204020203" pitchFamily="34" charset="-34"/>
+              </a:rPr>
+              <a:t>241</a:t>
+            </a:r>
+            <a:endParaRPr lang="en-US" sz="1400" dirty="0">
+              <a:latin typeface="Leelawadee UI" panose="020B0502040204020203" pitchFamily="34" charset="-34"/>
+              <a:cs typeface="Leelawadee UI" panose="020B0502040204020203" pitchFamily="34" charset="-34"/>
+            </a:endParaRPr>
+          </a:p>
+        </p:txBody>
+      </p:sp>
+      <p:sp>
+        <p:nvSpPr>
+          <p:cNvPr id="21" name="TextBox 20"/>
+          <p:cNvSpPr txBox="1"/>
+          <p:nvPr/>
+        </p:nvSpPr>
+        <p:spPr>
+          <a:xfrm>
+            <a:off x="9837008" y="4341240"/>
+            <a:ext cx="2070100" cy="1600438"/>
+          </a:xfrm>
+          <a:prstGeom prst="rect">
+            <a:avLst/>
+          </a:prstGeom>
+          <a:noFill/>
+        </p:spPr>
+        <p:txBody>
+          <a:bodyPr wrap="square" rtlCol="0">
+            <a:spAutoFit/>
+          </a:bodyPr>
+          <a:lstStyle/>
+          <a:p>
+            <a:pPr algn="ctr"/>
+            <a:r>
+              <a:rPr lang="en-US" sz="1400" b="1" dirty="0" smtClean="0">
+                <a:latin typeface="Leelawadee UI" panose="020B0502040204020203" pitchFamily="34" charset="-34"/>
+                <a:cs typeface="Leelawadee UI" panose="020B0502040204020203" pitchFamily="34" charset="-34"/>
+              </a:rPr>
+              <a:t>Hue: </a:t>
+            </a:r>
+            <a:r>
+              <a:rPr lang="en-US" sz="1400" dirty="0" smtClean="0">
+                <a:latin typeface="Leelawadee UI" panose="020B0502040204020203" pitchFamily="34" charset="-34"/>
+                <a:cs typeface="Leelawadee UI" panose="020B0502040204020203" pitchFamily="34" charset="-34"/>
+              </a:rPr>
+              <a:t>196</a:t>
+            </a:r>
+          </a:p>
+          <a:p>
+            <a:pPr algn="ctr"/>
+            <a:r>
+              <a:rPr lang="en-US" sz="1400" b="1" dirty="0" smtClean="0">
+                <a:latin typeface="Leelawadee UI" panose="020B0502040204020203" pitchFamily="34" charset="-34"/>
+                <a:cs typeface="Leelawadee UI" panose="020B0502040204020203" pitchFamily="34" charset="-34"/>
+              </a:rPr>
+              <a:t>Saturation: </a:t>
+            </a:r>
+            <a:r>
+              <a:rPr lang="en-US" sz="1400" dirty="0" smtClean="0">
+                <a:latin typeface="Leelawadee UI" panose="020B0502040204020203" pitchFamily="34" charset="-34"/>
+                <a:cs typeface="Leelawadee UI" panose="020B0502040204020203" pitchFamily="34" charset="-34"/>
+              </a:rPr>
+              <a:t>100</a:t>
+            </a:r>
+          </a:p>
+          <a:p>
+            <a:pPr algn="ctr"/>
+            <a:r>
+              <a:rPr lang="en-US" sz="1400" b="1" dirty="0" smtClean="0">
+                <a:latin typeface="Leelawadee UI" panose="020B0502040204020203" pitchFamily="34" charset="-34"/>
+                <a:cs typeface="Leelawadee UI" panose="020B0502040204020203" pitchFamily="34" charset="-34"/>
+              </a:rPr>
+              <a:t>Brightness: </a:t>
+            </a:r>
+            <a:r>
+              <a:rPr lang="en-US" sz="1400" dirty="0" smtClean="0">
+                <a:latin typeface="Leelawadee UI" panose="020B0502040204020203" pitchFamily="34" charset="-34"/>
+                <a:cs typeface="Leelawadee UI" panose="020B0502040204020203" pitchFamily="34" charset="-34"/>
+              </a:rPr>
+              <a:t>95</a:t>
+            </a:r>
+          </a:p>
+          <a:p>
+            <a:pPr algn="ctr"/>
+            <a:endParaRPr lang="en-US" sz="1400" dirty="0">
+              <a:latin typeface="Leelawadee UI" panose="020B0502040204020203" pitchFamily="34" charset="-34"/>
+              <a:cs typeface="Leelawadee UI" panose="020B0502040204020203" pitchFamily="34" charset="-34"/>
+            </a:endParaRPr>
+          </a:p>
+          <a:p>
+            <a:pPr algn="ctr"/>
+            <a:r>
+              <a:rPr lang="en-US" sz="1400" b="1" dirty="0" smtClean="0">
+                <a:latin typeface="Leelawadee UI" panose="020B0502040204020203" pitchFamily="34" charset="-34"/>
+                <a:cs typeface="Leelawadee UI" panose="020B0502040204020203" pitchFamily="34" charset="-34"/>
+              </a:rPr>
+              <a:t>Hex: </a:t>
+            </a:r>
+            <a:r>
+              <a:rPr lang="en-US" sz="1400" dirty="0" smtClean="0">
+                <a:latin typeface="Leelawadee UI" panose="020B0502040204020203" pitchFamily="34" charset="-34"/>
+                <a:cs typeface="Leelawadee UI" panose="020B0502040204020203" pitchFamily="34" charset="-34"/>
+              </a:rPr>
+              <a:t>#01B0F1</a:t>
+            </a:r>
+          </a:p>
+          <a:p>
+            <a:pPr algn="ctr"/>
+            <a:endParaRPr lang="en-US" sz="1400" dirty="0">
+              <a:latin typeface="Leelawadee UI" panose="020B0502040204020203" pitchFamily="34" charset="-34"/>
+              <a:cs typeface="Leelawadee UI" panose="020B0502040204020203" pitchFamily="34" charset="-34"/>
+            </a:endParaRPr>
+          </a:p>
+          <a:p>
+            <a:pPr algn="ctr"/>
+            <a:r>
+              <a:rPr lang="en-US" sz="1400" b="1" dirty="0">
+                <a:latin typeface="Leelawadee UI" panose="020B0502040204020203" pitchFamily="34" charset="-34"/>
+                <a:cs typeface="Leelawadee UI" panose="020B0502040204020203" pitchFamily="34" charset="-34"/>
+              </a:rPr>
+              <a:t>RGB: </a:t>
+            </a:r>
+            <a:r>
+              <a:rPr lang="en-US" sz="1400" dirty="0">
+                <a:latin typeface="Leelawadee UI" panose="020B0502040204020203" pitchFamily="34" charset="-34"/>
+                <a:cs typeface="Leelawadee UI" panose="020B0502040204020203" pitchFamily="34" charset="-34"/>
+              </a:rPr>
+              <a:t>1, 176, </a:t>
+            </a:r>
+            <a:r>
+              <a:rPr lang="en-US" sz="1400" dirty="0" smtClean="0">
+                <a:latin typeface="Leelawadee UI" panose="020B0502040204020203" pitchFamily="34" charset="-34"/>
+                <a:cs typeface="Leelawadee UI" panose="020B0502040204020203" pitchFamily="34" charset="-34"/>
+              </a:rPr>
+              <a:t>241</a:t>
+            </a:r>
+            <a:endParaRPr lang="en-US" sz="1400" dirty="0">
+              <a:latin typeface="Leelawadee UI" panose="020B0502040204020203" pitchFamily="34" charset="-34"/>
+              <a:cs typeface="Leelawadee UI" panose="020B0502040204020203" pitchFamily="34" charset="-34"/>
+            </a:endParaRPr>
+          </a:p>
+        </p:txBody>
+      </p:sp>
+      <p:sp>
+        <p:nvSpPr>
+          <p:cNvPr id="22" name="TextBox 21"/>
+          <p:cNvSpPr txBox="1"/>
+          <p:nvPr/>
+        </p:nvSpPr>
+        <p:spPr>
+          <a:xfrm>
+            <a:off x="6829651" y="4341240"/>
+            <a:ext cx="2070100" cy="1600438"/>
+          </a:xfrm>
+          <a:prstGeom prst="rect">
+            <a:avLst/>
+          </a:prstGeom>
+          <a:noFill/>
+        </p:spPr>
+        <p:txBody>
+          <a:bodyPr wrap="square" rtlCol="0">
+            <a:spAutoFit/>
+          </a:bodyPr>
+          <a:lstStyle/>
+          <a:p>
+            <a:pPr algn="ctr"/>
+            <a:r>
+              <a:rPr lang="en-US" sz="1400" b="1" dirty="0" smtClean="0">
+                <a:latin typeface="Leelawadee UI" panose="020B0502040204020203" pitchFamily="34" charset="-34"/>
+                <a:cs typeface="Leelawadee UI" panose="020B0502040204020203" pitchFamily="34" charset="-34"/>
+              </a:rPr>
+              <a:t>Hue: </a:t>
+            </a:r>
+            <a:r>
+              <a:rPr lang="en-US" sz="1400" dirty="0" smtClean="0">
+                <a:latin typeface="Leelawadee UI" panose="020B0502040204020203" pitchFamily="34" charset="-34"/>
+                <a:cs typeface="Leelawadee UI" panose="020B0502040204020203" pitchFamily="34" charset="-34"/>
+              </a:rPr>
+              <a:t>60</a:t>
+            </a:r>
+          </a:p>
+          <a:p>
+            <a:pPr algn="ctr"/>
+            <a:r>
+              <a:rPr lang="en-US" sz="1400" b="1" dirty="0" smtClean="0">
+                <a:latin typeface="Leelawadee UI" panose="020B0502040204020203" pitchFamily="34" charset="-34"/>
+                <a:cs typeface="Leelawadee UI" panose="020B0502040204020203" pitchFamily="34" charset="-34"/>
+              </a:rPr>
+              <a:t>Saturation: </a:t>
+            </a:r>
+            <a:r>
+              <a:rPr lang="en-US" sz="1400" dirty="0" smtClean="0">
+                <a:latin typeface="Leelawadee UI" panose="020B0502040204020203" pitchFamily="34" charset="-34"/>
+                <a:cs typeface="Leelawadee UI" panose="020B0502040204020203" pitchFamily="34" charset="-34"/>
+              </a:rPr>
+              <a:t>100</a:t>
+            </a:r>
+          </a:p>
+          <a:p>
+            <a:pPr algn="ctr"/>
+            <a:r>
+              <a:rPr lang="en-US" sz="1400" b="1" dirty="0" smtClean="0">
+                <a:latin typeface="Leelawadee UI" panose="020B0502040204020203" pitchFamily="34" charset="-34"/>
+                <a:cs typeface="Leelawadee UI" panose="020B0502040204020203" pitchFamily="34" charset="-34"/>
+              </a:rPr>
+              <a:t>Brightness: </a:t>
+            </a:r>
+            <a:r>
+              <a:rPr lang="en-US" sz="1400" dirty="0" smtClean="0">
+                <a:latin typeface="Leelawadee UI" panose="020B0502040204020203" pitchFamily="34" charset="-34"/>
+                <a:cs typeface="Leelawadee UI" panose="020B0502040204020203" pitchFamily="34" charset="-34"/>
+              </a:rPr>
+              <a:t>100</a:t>
+            </a:r>
+          </a:p>
+          <a:p>
+            <a:pPr algn="ctr"/>
+            <a:endParaRPr lang="en-US" sz="1400" dirty="0">
+              <a:latin typeface="Leelawadee UI" panose="020B0502040204020203" pitchFamily="34" charset="-34"/>
+              <a:cs typeface="Leelawadee UI" panose="020B0502040204020203" pitchFamily="34" charset="-34"/>
+            </a:endParaRPr>
+          </a:p>
+          <a:p>
+            <a:pPr algn="ctr"/>
+            <a:r>
+              <a:rPr lang="en-US" sz="1400" b="1" dirty="0" smtClean="0">
+                <a:latin typeface="Leelawadee UI" panose="020B0502040204020203" pitchFamily="34" charset="-34"/>
+                <a:cs typeface="Leelawadee UI" panose="020B0502040204020203" pitchFamily="34" charset="-34"/>
+              </a:rPr>
+              <a:t>Hex: </a:t>
+            </a:r>
+            <a:r>
+              <a:rPr lang="en-US" sz="1400" dirty="0" smtClean="0">
+                <a:latin typeface="Leelawadee UI" panose="020B0502040204020203" pitchFamily="34" charset="-34"/>
+                <a:cs typeface="Leelawadee UI" panose="020B0502040204020203" pitchFamily="34" charset="-34"/>
+              </a:rPr>
+              <a:t>#FFFF01</a:t>
+            </a:r>
+          </a:p>
+          <a:p>
+            <a:pPr algn="ctr"/>
+            <a:endParaRPr lang="en-US" sz="1400" dirty="0">
+              <a:latin typeface="Leelawadee UI" panose="020B0502040204020203" pitchFamily="34" charset="-34"/>
+              <a:cs typeface="Leelawadee UI" panose="020B0502040204020203" pitchFamily="34" charset="-34"/>
+            </a:endParaRPr>
+          </a:p>
+          <a:p>
+            <a:pPr algn="ctr"/>
+            <a:r>
+              <a:rPr lang="en-US" sz="1400" b="1" dirty="0">
+                <a:latin typeface="Leelawadee UI" panose="020B0502040204020203" pitchFamily="34" charset="-34"/>
+                <a:cs typeface="Leelawadee UI" panose="020B0502040204020203" pitchFamily="34" charset="-34"/>
+              </a:rPr>
+              <a:t>RGB: </a:t>
+            </a:r>
+            <a:r>
+              <a:rPr lang="en-US" sz="1400" dirty="0" smtClean="0">
+                <a:latin typeface="Leelawadee UI" panose="020B0502040204020203" pitchFamily="34" charset="-34"/>
+                <a:cs typeface="Leelawadee UI" panose="020B0502040204020203" pitchFamily="34" charset="-34"/>
+              </a:rPr>
+              <a:t>255, 255, 1</a:t>
+            </a:r>
+            <a:endParaRPr lang="en-US" sz="1400" dirty="0">
+              <a:latin typeface="Leelawadee UI" panose="020B0502040204020203" pitchFamily="34" charset="-34"/>
+              <a:cs typeface="Leelawadee UI" panose="020B0502040204020203" pitchFamily="34" charset="-34"/>
+            </a:endParaRPr>
+          </a:p>
+        </p:txBody>
+      </p:sp>
+      <p:sp>
+        <p:nvSpPr>
+          <p:cNvPr id="23" name="TextBox 22"/>
+          <p:cNvSpPr txBox="1"/>
+          <p:nvPr/>
+        </p:nvSpPr>
+        <p:spPr>
+          <a:xfrm>
+            <a:off x="9837008" y="1478638"/>
+            <a:ext cx="2070100" cy="1600438"/>
+          </a:xfrm>
+          <a:prstGeom prst="rect">
+            <a:avLst/>
+          </a:prstGeom>
+          <a:noFill/>
+        </p:spPr>
+        <p:txBody>
+          <a:bodyPr wrap="square" rtlCol="0">
+            <a:spAutoFit/>
+          </a:bodyPr>
+          <a:lstStyle/>
+          <a:p>
+            <a:pPr algn="ctr"/>
+            <a:r>
+              <a:rPr lang="en-US" sz="1400" b="1" dirty="0" smtClean="0">
+                <a:latin typeface="Leelawadee UI" panose="020B0502040204020203" pitchFamily="34" charset="-34"/>
+                <a:cs typeface="Leelawadee UI" panose="020B0502040204020203" pitchFamily="34" charset="-34"/>
+              </a:rPr>
+              <a:t>Hue: </a:t>
+            </a:r>
+            <a:r>
+              <a:rPr lang="en-US" sz="1400" dirty="0" smtClean="0">
+                <a:latin typeface="Leelawadee UI" panose="020B0502040204020203" pitchFamily="34" charset="-34"/>
+                <a:cs typeface="Leelawadee UI" panose="020B0502040204020203" pitchFamily="34" charset="-34"/>
+              </a:rPr>
+              <a:t>60</a:t>
+            </a:r>
+          </a:p>
+          <a:p>
+            <a:pPr algn="ctr"/>
+            <a:r>
+              <a:rPr lang="en-US" sz="1400" b="1" dirty="0" smtClean="0">
+                <a:latin typeface="Leelawadee UI" panose="020B0502040204020203" pitchFamily="34" charset="-34"/>
+                <a:cs typeface="Leelawadee UI" panose="020B0502040204020203" pitchFamily="34" charset="-34"/>
+              </a:rPr>
+              <a:t>Saturation: </a:t>
+            </a:r>
+            <a:r>
+              <a:rPr lang="en-US" sz="1400" dirty="0" smtClean="0">
+                <a:latin typeface="Leelawadee UI" panose="020B0502040204020203" pitchFamily="34" charset="-34"/>
+                <a:cs typeface="Leelawadee UI" panose="020B0502040204020203" pitchFamily="34" charset="-34"/>
+              </a:rPr>
+              <a:t>100</a:t>
+            </a:r>
+          </a:p>
+          <a:p>
+            <a:pPr algn="ctr"/>
+            <a:r>
+              <a:rPr lang="en-US" sz="1400" b="1" dirty="0" smtClean="0">
+                <a:latin typeface="Leelawadee UI" panose="020B0502040204020203" pitchFamily="34" charset="-34"/>
+                <a:cs typeface="Leelawadee UI" panose="020B0502040204020203" pitchFamily="34" charset="-34"/>
+              </a:rPr>
+              <a:t>Brightness: </a:t>
+            </a:r>
+            <a:r>
+              <a:rPr lang="en-US" sz="1400" dirty="0" smtClean="0">
+                <a:latin typeface="Leelawadee UI" panose="020B0502040204020203" pitchFamily="34" charset="-34"/>
+                <a:cs typeface="Leelawadee UI" panose="020B0502040204020203" pitchFamily="34" charset="-34"/>
+              </a:rPr>
+              <a:t>100</a:t>
+            </a:r>
+          </a:p>
+          <a:p>
+            <a:pPr algn="ctr"/>
+            <a:endParaRPr lang="en-US" sz="1400" dirty="0">
+              <a:latin typeface="Leelawadee UI" panose="020B0502040204020203" pitchFamily="34" charset="-34"/>
+              <a:cs typeface="Leelawadee UI" panose="020B0502040204020203" pitchFamily="34" charset="-34"/>
+            </a:endParaRPr>
+          </a:p>
+          <a:p>
+            <a:pPr algn="ctr"/>
+            <a:r>
+              <a:rPr lang="en-US" sz="1400" b="1" dirty="0" smtClean="0">
+                <a:latin typeface="Leelawadee UI" panose="020B0502040204020203" pitchFamily="34" charset="-34"/>
+                <a:cs typeface="Leelawadee UI" panose="020B0502040204020203" pitchFamily="34" charset="-34"/>
+              </a:rPr>
+              <a:t>Hex: </a:t>
+            </a:r>
+            <a:r>
+              <a:rPr lang="en-US" sz="1400" dirty="0" smtClean="0">
+                <a:latin typeface="Leelawadee UI" panose="020B0502040204020203" pitchFamily="34" charset="-34"/>
+                <a:cs typeface="Leelawadee UI" panose="020B0502040204020203" pitchFamily="34" charset="-34"/>
+              </a:rPr>
+              <a:t>#FFFF01</a:t>
+            </a:r>
+          </a:p>
+          <a:p>
+            <a:pPr algn="ctr"/>
+            <a:endParaRPr lang="en-US" sz="1400" dirty="0">
+              <a:latin typeface="Leelawadee UI" panose="020B0502040204020203" pitchFamily="34" charset="-34"/>
+              <a:cs typeface="Leelawadee UI" panose="020B0502040204020203" pitchFamily="34" charset="-34"/>
+            </a:endParaRPr>
+          </a:p>
+          <a:p>
+            <a:pPr algn="ctr"/>
+            <a:r>
+              <a:rPr lang="en-US" sz="1400" b="1" dirty="0">
+                <a:latin typeface="Leelawadee UI" panose="020B0502040204020203" pitchFamily="34" charset="-34"/>
+                <a:cs typeface="Leelawadee UI" panose="020B0502040204020203" pitchFamily="34" charset="-34"/>
+              </a:rPr>
+              <a:t>RGB: </a:t>
+            </a:r>
+            <a:r>
+              <a:rPr lang="en-US" sz="1400" dirty="0" smtClean="0">
+                <a:latin typeface="Leelawadee UI" panose="020B0502040204020203" pitchFamily="34" charset="-34"/>
+                <a:cs typeface="Leelawadee UI" panose="020B0502040204020203" pitchFamily="34" charset="-34"/>
+              </a:rPr>
+              <a:t>255, 255, 1</a:t>
+            </a:r>
+            <a:endParaRPr lang="en-US" sz="1400" dirty="0">
+              <a:latin typeface="Leelawadee UI" panose="020B0502040204020203" pitchFamily="34" charset="-34"/>
+              <a:cs typeface="Leelawadee UI" panose="020B0502040204020203" pitchFamily="34" charset="-34"/>
+            </a:endParaRPr>
+          </a:p>
+        </p:txBody>
+      </p:sp>
+      <p:sp>
+        <p:nvSpPr>
+          <p:cNvPr id="24" name="TextBox 23"/>
+          <p:cNvSpPr txBox="1"/>
+          <p:nvPr/>
+        </p:nvSpPr>
+        <p:spPr>
+          <a:xfrm>
+            <a:off x="3803211" y="4341240"/>
+            <a:ext cx="2070100" cy="1600438"/>
+          </a:xfrm>
+          <a:prstGeom prst="rect">
+            <a:avLst/>
+          </a:prstGeom>
+          <a:noFill/>
+        </p:spPr>
+        <p:txBody>
+          <a:bodyPr wrap="square" rtlCol="0">
+            <a:spAutoFit/>
+          </a:bodyPr>
+          <a:lstStyle/>
+          <a:p>
+            <a:pPr algn="ctr"/>
+            <a:r>
+              <a:rPr lang="en-US" sz="1400" b="1" dirty="0" smtClean="0">
+                <a:latin typeface="Leelawadee UI" panose="020B0502040204020203" pitchFamily="34" charset="-34"/>
+                <a:cs typeface="Leelawadee UI" panose="020B0502040204020203" pitchFamily="34" charset="-34"/>
+              </a:rPr>
+              <a:t>Hue: </a:t>
+            </a:r>
+            <a:r>
+              <a:rPr lang="en-US" sz="1400" dirty="0" smtClean="0">
+                <a:latin typeface="Leelawadee UI" panose="020B0502040204020203" pitchFamily="34" charset="-34"/>
+                <a:cs typeface="Leelawadee UI" panose="020B0502040204020203" pitchFamily="34" charset="-34"/>
+              </a:rPr>
+              <a:t>120</a:t>
+            </a:r>
+          </a:p>
+          <a:p>
+            <a:pPr algn="ctr"/>
+            <a:r>
+              <a:rPr lang="en-US" sz="1400" b="1" dirty="0" smtClean="0">
+                <a:latin typeface="Leelawadee UI" panose="020B0502040204020203" pitchFamily="34" charset="-34"/>
+                <a:cs typeface="Leelawadee UI" panose="020B0502040204020203" pitchFamily="34" charset="-34"/>
+              </a:rPr>
+              <a:t>Saturation: </a:t>
+            </a:r>
+            <a:r>
+              <a:rPr lang="en-US" sz="1400" dirty="0" smtClean="0">
+                <a:latin typeface="Leelawadee UI" panose="020B0502040204020203" pitchFamily="34" charset="-34"/>
+                <a:cs typeface="Leelawadee UI" panose="020B0502040204020203" pitchFamily="34" charset="-34"/>
+              </a:rPr>
+              <a:t>100</a:t>
+            </a:r>
+          </a:p>
+          <a:p>
+            <a:pPr algn="ctr"/>
+            <a:r>
+              <a:rPr lang="en-US" sz="1400" b="1" dirty="0" smtClean="0">
+                <a:latin typeface="Leelawadee UI" panose="020B0502040204020203" pitchFamily="34" charset="-34"/>
+                <a:cs typeface="Leelawadee UI" panose="020B0502040204020203" pitchFamily="34" charset="-34"/>
+              </a:rPr>
+              <a:t>Brightness: </a:t>
+            </a:r>
+            <a:r>
+              <a:rPr lang="en-US" sz="1400" dirty="0" smtClean="0">
+                <a:latin typeface="Leelawadee UI" panose="020B0502040204020203" pitchFamily="34" charset="-34"/>
+                <a:cs typeface="Leelawadee UI" panose="020B0502040204020203" pitchFamily="34" charset="-34"/>
+              </a:rPr>
+              <a:t>100</a:t>
+            </a:r>
+          </a:p>
+          <a:p>
+            <a:pPr algn="ctr"/>
+            <a:endParaRPr lang="en-US" sz="1400" dirty="0">
+              <a:latin typeface="Leelawadee UI" panose="020B0502040204020203" pitchFamily="34" charset="-34"/>
+              <a:cs typeface="Leelawadee UI" panose="020B0502040204020203" pitchFamily="34" charset="-34"/>
+            </a:endParaRPr>
+          </a:p>
+          <a:p>
+            <a:pPr algn="ctr"/>
+            <a:r>
+              <a:rPr lang="en-US" sz="1400" b="1" dirty="0" smtClean="0">
+                <a:latin typeface="Leelawadee UI" panose="020B0502040204020203" pitchFamily="34" charset="-34"/>
+                <a:cs typeface="Leelawadee UI" panose="020B0502040204020203" pitchFamily="34" charset="-34"/>
+              </a:rPr>
+              <a:t>Hex: </a:t>
+            </a:r>
+            <a:r>
+              <a:rPr lang="en-US" sz="1400" dirty="0" smtClean="0">
+                <a:latin typeface="Leelawadee UI" panose="020B0502040204020203" pitchFamily="34" charset="-34"/>
+                <a:cs typeface="Leelawadee UI" panose="020B0502040204020203" pitchFamily="34" charset="-34"/>
+              </a:rPr>
+              <a:t>#00FF01</a:t>
+            </a:r>
+          </a:p>
+          <a:p>
+            <a:pPr algn="ctr"/>
+            <a:endParaRPr lang="en-US" sz="1400" dirty="0">
+              <a:latin typeface="Leelawadee UI" panose="020B0502040204020203" pitchFamily="34" charset="-34"/>
+              <a:cs typeface="Leelawadee UI" panose="020B0502040204020203" pitchFamily="34" charset="-34"/>
+            </a:endParaRPr>
+          </a:p>
+          <a:p>
+            <a:pPr algn="ctr"/>
+            <a:r>
+              <a:rPr lang="en-US" sz="1400" b="1" dirty="0">
+                <a:latin typeface="Leelawadee UI" panose="020B0502040204020203" pitchFamily="34" charset="-34"/>
+                <a:cs typeface="Leelawadee UI" panose="020B0502040204020203" pitchFamily="34" charset="-34"/>
+              </a:rPr>
+              <a:t>RGB: </a:t>
+            </a:r>
+            <a:r>
+              <a:rPr lang="en-US" sz="1400" dirty="0" smtClean="0">
+                <a:latin typeface="Leelawadee UI" panose="020B0502040204020203" pitchFamily="34" charset="-34"/>
+                <a:cs typeface="Leelawadee UI" panose="020B0502040204020203" pitchFamily="34" charset="-34"/>
+              </a:rPr>
+              <a:t>0, 255, 1</a:t>
+            </a:r>
+            <a:endParaRPr lang="en-US" sz="1400" dirty="0">
+              <a:latin typeface="Leelawadee UI" panose="020B0502040204020203" pitchFamily="34" charset="-34"/>
+              <a:cs typeface="Leelawadee UI" panose="020B0502040204020203" pitchFamily="34" charset="-34"/>
+            </a:endParaRPr>
+          </a:p>
+        </p:txBody>
+      </p:sp>
+      <p:sp>
+        <p:nvSpPr>
+          <p:cNvPr id="25" name="TextBox 24"/>
+          <p:cNvSpPr txBox="1"/>
+          <p:nvPr/>
+        </p:nvSpPr>
+        <p:spPr>
+          <a:xfrm>
+            <a:off x="791083" y="1478638"/>
+            <a:ext cx="2070100" cy="1600438"/>
+          </a:xfrm>
+          <a:prstGeom prst="rect">
+            <a:avLst/>
+          </a:prstGeom>
+          <a:noFill/>
+        </p:spPr>
+        <p:txBody>
+          <a:bodyPr wrap="square" rtlCol="0">
+            <a:spAutoFit/>
+          </a:bodyPr>
+          <a:lstStyle/>
+          <a:p>
+            <a:pPr algn="ctr"/>
+            <a:r>
+              <a:rPr lang="en-US" sz="1400" b="1" dirty="0" smtClean="0">
+                <a:latin typeface="Leelawadee UI" panose="020B0502040204020203" pitchFamily="34" charset="-34"/>
+                <a:cs typeface="Leelawadee UI" panose="020B0502040204020203" pitchFamily="34" charset="-34"/>
+              </a:rPr>
+              <a:t>Hue: </a:t>
+            </a:r>
+            <a:r>
+              <a:rPr lang="en-US" sz="1400" dirty="0" smtClean="0">
+                <a:latin typeface="Leelawadee UI" panose="020B0502040204020203" pitchFamily="34" charset="-34"/>
+                <a:cs typeface="Leelawadee UI" panose="020B0502040204020203" pitchFamily="34" charset="-34"/>
+              </a:rPr>
+              <a:t>0</a:t>
+            </a:r>
+          </a:p>
+          <a:p>
+            <a:pPr algn="ctr"/>
+            <a:r>
+              <a:rPr lang="en-US" sz="1400" b="1" dirty="0" smtClean="0">
+                <a:latin typeface="Leelawadee UI" panose="020B0502040204020203" pitchFamily="34" charset="-34"/>
+                <a:cs typeface="Leelawadee UI" panose="020B0502040204020203" pitchFamily="34" charset="-34"/>
+              </a:rPr>
+              <a:t>Saturation: </a:t>
+            </a:r>
+            <a:r>
+              <a:rPr lang="en-US" sz="1400" dirty="0" smtClean="0">
+                <a:latin typeface="Leelawadee UI" panose="020B0502040204020203" pitchFamily="34" charset="-34"/>
+                <a:cs typeface="Leelawadee UI" panose="020B0502040204020203" pitchFamily="34" charset="-34"/>
+              </a:rPr>
+              <a:t>100</a:t>
+            </a:r>
+          </a:p>
+          <a:p>
+            <a:pPr algn="ctr"/>
+            <a:r>
+              <a:rPr lang="en-US" sz="1400" b="1" dirty="0" smtClean="0">
+                <a:latin typeface="Leelawadee UI" panose="020B0502040204020203" pitchFamily="34" charset="-34"/>
+                <a:cs typeface="Leelawadee UI" panose="020B0502040204020203" pitchFamily="34" charset="-34"/>
+              </a:rPr>
+              <a:t>Brightness: </a:t>
+            </a:r>
+            <a:r>
+              <a:rPr lang="en-US" sz="1400" dirty="0" smtClean="0">
+                <a:latin typeface="Leelawadee UI" panose="020B0502040204020203" pitchFamily="34" charset="-34"/>
+                <a:cs typeface="Leelawadee UI" panose="020B0502040204020203" pitchFamily="34" charset="-34"/>
+              </a:rPr>
+              <a:t>100</a:t>
+            </a:r>
+          </a:p>
+          <a:p>
+            <a:pPr algn="ctr"/>
+            <a:endParaRPr lang="en-US" sz="1400" dirty="0">
+              <a:latin typeface="Leelawadee UI" panose="020B0502040204020203" pitchFamily="34" charset="-34"/>
+              <a:cs typeface="Leelawadee UI" panose="020B0502040204020203" pitchFamily="34" charset="-34"/>
+            </a:endParaRPr>
+          </a:p>
+          <a:p>
+            <a:pPr algn="ctr"/>
+            <a:r>
+              <a:rPr lang="en-US" sz="1400" b="1" dirty="0" smtClean="0">
+                <a:latin typeface="Leelawadee UI" panose="020B0502040204020203" pitchFamily="34" charset="-34"/>
+                <a:cs typeface="Leelawadee UI" panose="020B0502040204020203" pitchFamily="34" charset="-34"/>
+              </a:rPr>
+              <a:t>Hex: </a:t>
+            </a:r>
+            <a:r>
+              <a:rPr lang="en-US" sz="1400" dirty="0" smtClean="0">
+                <a:latin typeface="Leelawadee UI" panose="020B0502040204020203" pitchFamily="34" charset="-34"/>
+                <a:cs typeface="Leelawadee UI" panose="020B0502040204020203" pitchFamily="34" charset="-34"/>
+              </a:rPr>
+              <a:t>#FE0000</a:t>
+            </a:r>
+          </a:p>
+          <a:p>
+            <a:pPr algn="ctr"/>
+            <a:endParaRPr lang="en-US" sz="1400" dirty="0">
+              <a:latin typeface="Leelawadee UI" panose="020B0502040204020203" pitchFamily="34" charset="-34"/>
+              <a:cs typeface="Leelawadee UI" panose="020B0502040204020203" pitchFamily="34" charset="-34"/>
+            </a:endParaRPr>
+          </a:p>
+          <a:p>
+            <a:pPr algn="ctr"/>
+            <a:r>
+              <a:rPr lang="en-US" sz="1400" b="1" dirty="0">
+                <a:latin typeface="Leelawadee UI" panose="020B0502040204020203" pitchFamily="34" charset="-34"/>
+                <a:cs typeface="Leelawadee UI" panose="020B0502040204020203" pitchFamily="34" charset="-34"/>
+              </a:rPr>
+              <a:t>RGB: </a:t>
+            </a:r>
+            <a:r>
+              <a:rPr lang="en-US" sz="1400" dirty="0" smtClean="0">
+                <a:latin typeface="Leelawadee UI" panose="020B0502040204020203" pitchFamily="34" charset="-34"/>
+                <a:cs typeface="Leelawadee UI" panose="020B0502040204020203" pitchFamily="34" charset="-34"/>
+              </a:rPr>
+              <a:t>254, 0, 0</a:t>
+            </a:r>
+            <a:endParaRPr lang="en-US" sz="1400" dirty="0">
+              <a:latin typeface="Leelawadee UI" panose="020B0502040204020203" pitchFamily="34" charset="-34"/>
+              <a:cs typeface="Leelawadee UI" panose="020B0502040204020203" pitchFamily="34" charset="-34"/>
+            </a:endParaRPr>
+          </a:p>
+        </p:txBody>
+      </p:sp>
+      <p:sp>
+        <p:nvSpPr>
+          <p:cNvPr id="28" name="TextBox 27"/>
+          <p:cNvSpPr txBox="1"/>
+          <p:nvPr/>
+        </p:nvSpPr>
+        <p:spPr>
+          <a:xfrm>
+            <a:off x="3803211" y="1478638"/>
+            <a:ext cx="2070100" cy="1600438"/>
+          </a:xfrm>
+          <a:prstGeom prst="rect">
+            <a:avLst/>
+          </a:prstGeom>
+          <a:noFill/>
+        </p:spPr>
+        <p:txBody>
+          <a:bodyPr wrap="square" rtlCol="0">
+            <a:spAutoFit/>
+          </a:bodyPr>
+          <a:lstStyle/>
+          <a:p>
+            <a:pPr algn="ctr"/>
+            <a:r>
+              <a:rPr lang="en-US" sz="1400" b="1" dirty="0" smtClean="0">
+                <a:latin typeface="Leelawadee UI" panose="020B0502040204020203" pitchFamily="34" charset="-34"/>
+                <a:cs typeface="Leelawadee UI" panose="020B0502040204020203" pitchFamily="34" charset="-34"/>
+              </a:rPr>
+              <a:t>Hue: </a:t>
+            </a:r>
+            <a:r>
+              <a:rPr lang="en-US" sz="1400" dirty="0" smtClean="0">
+                <a:latin typeface="Leelawadee UI" panose="020B0502040204020203" pitchFamily="34" charset="-34"/>
+                <a:cs typeface="Leelawadee UI" panose="020B0502040204020203" pitchFamily="34" charset="-34"/>
+              </a:rPr>
+              <a:t>0</a:t>
+            </a:r>
+          </a:p>
+          <a:p>
+            <a:pPr algn="ctr"/>
+            <a:r>
+              <a:rPr lang="en-US" sz="1400" b="1" dirty="0" smtClean="0">
+                <a:latin typeface="Leelawadee UI" panose="020B0502040204020203" pitchFamily="34" charset="-34"/>
+                <a:cs typeface="Leelawadee UI" panose="020B0502040204020203" pitchFamily="34" charset="-34"/>
+              </a:rPr>
+              <a:t>Saturation: </a:t>
+            </a:r>
+            <a:r>
+              <a:rPr lang="en-US" sz="1400" dirty="0" smtClean="0">
+                <a:latin typeface="Leelawadee UI" panose="020B0502040204020203" pitchFamily="34" charset="-34"/>
+                <a:cs typeface="Leelawadee UI" panose="020B0502040204020203" pitchFamily="34" charset="-34"/>
+              </a:rPr>
+              <a:t>100</a:t>
+            </a:r>
+          </a:p>
+          <a:p>
+            <a:pPr algn="ctr"/>
+            <a:r>
+              <a:rPr lang="en-US" sz="1400" b="1" dirty="0" smtClean="0">
+                <a:latin typeface="Leelawadee UI" panose="020B0502040204020203" pitchFamily="34" charset="-34"/>
+                <a:cs typeface="Leelawadee UI" panose="020B0502040204020203" pitchFamily="34" charset="-34"/>
+              </a:rPr>
+              <a:t>Brightness: </a:t>
+            </a:r>
+            <a:r>
+              <a:rPr lang="en-US" sz="1400" dirty="0" smtClean="0">
+                <a:latin typeface="Leelawadee UI" panose="020B0502040204020203" pitchFamily="34" charset="-34"/>
+                <a:cs typeface="Leelawadee UI" panose="020B0502040204020203" pitchFamily="34" charset="-34"/>
+              </a:rPr>
+              <a:t>100</a:t>
+            </a:r>
+          </a:p>
+          <a:p>
+            <a:pPr algn="ctr"/>
+            <a:endParaRPr lang="en-US" sz="1400" dirty="0">
+              <a:latin typeface="Leelawadee UI" panose="020B0502040204020203" pitchFamily="34" charset="-34"/>
+              <a:cs typeface="Leelawadee UI" panose="020B0502040204020203" pitchFamily="34" charset="-34"/>
+            </a:endParaRPr>
+          </a:p>
+          <a:p>
+            <a:pPr algn="ctr"/>
+            <a:r>
+              <a:rPr lang="en-US" sz="1400" b="1" dirty="0" smtClean="0">
+                <a:latin typeface="Leelawadee UI" panose="020B0502040204020203" pitchFamily="34" charset="-34"/>
+                <a:cs typeface="Leelawadee UI" panose="020B0502040204020203" pitchFamily="34" charset="-34"/>
+              </a:rPr>
+              <a:t>Hex: </a:t>
+            </a:r>
+            <a:r>
+              <a:rPr lang="en-US" sz="1400" dirty="0" smtClean="0">
+                <a:latin typeface="Leelawadee UI" panose="020B0502040204020203" pitchFamily="34" charset="-34"/>
+                <a:cs typeface="Leelawadee UI" panose="020B0502040204020203" pitchFamily="34" charset="-34"/>
+              </a:rPr>
+              <a:t>#FE0000</a:t>
+            </a:r>
+          </a:p>
+          <a:p>
+            <a:pPr algn="ctr"/>
+            <a:endParaRPr lang="en-US" sz="1400" dirty="0">
+              <a:latin typeface="Leelawadee UI" panose="020B0502040204020203" pitchFamily="34" charset="-34"/>
+              <a:cs typeface="Leelawadee UI" panose="020B0502040204020203" pitchFamily="34" charset="-34"/>
+            </a:endParaRPr>
+          </a:p>
+          <a:p>
+            <a:pPr algn="ctr"/>
+            <a:r>
+              <a:rPr lang="en-US" sz="1400" b="1" dirty="0">
+                <a:latin typeface="Leelawadee UI" panose="020B0502040204020203" pitchFamily="34" charset="-34"/>
+                <a:cs typeface="Leelawadee UI" panose="020B0502040204020203" pitchFamily="34" charset="-34"/>
+              </a:rPr>
+              <a:t>RGB: </a:t>
+            </a:r>
+            <a:r>
+              <a:rPr lang="en-US" sz="1400" dirty="0" smtClean="0">
+                <a:latin typeface="Leelawadee UI" panose="020B0502040204020203" pitchFamily="34" charset="-34"/>
+                <a:cs typeface="Leelawadee UI" panose="020B0502040204020203" pitchFamily="34" charset="-34"/>
+              </a:rPr>
+              <a:t>254, 0, 0</a:t>
+            </a:r>
+            <a:endParaRPr lang="en-US" sz="1400" dirty="0">
+              <a:latin typeface="Leelawadee UI" panose="020B0502040204020203" pitchFamily="34" charset="-34"/>
+              <a:cs typeface="Leelawadee UI" panose="020B0502040204020203" pitchFamily="34" charset="-34"/>
+            </a:endParaRPr>
+          </a:p>
+        </p:txBody>
+      </p:sp>
+      <p:sp>
+        <p:nvSpPr>
+          <p:cNvPr id="29" name="TextBox 28"/>
+          <p:cNvSpPr txBox="1"/>
+          <p:nvPr/>
+        </p:nvSpPr>
+        <p:spPr>
+          <a:xfrm>
+            <a:off x="6822495" y="1478638"/>
+            <a:ext cx="2070100" cy="1600438"/>
+          </a:xfrm>
+          <a:prstGeom prst="rect">
+            <a:avLst/>
+          </a:prstGeom>
+          <a:noFill/>
+        </p:spPr>
+        <p:txBody>
+          <a:bodyPr wrap="square" rtlCol="0">
+            <a:spAutoFit/>
+          </a:bodyPr>
+          <a:lstStyle/>
+          <a:p>
+            <a:pPr algn="ctr"/>
+            <a:r>
+              <a:rPr lang="en-US" sz="1400" b="1" dirty="0" smtClean="0">
+                <a:latin typeface="Leelawadee UI" panose="020B0502040204020203" pitchFamily="34" charset="-34"/>
+                <a:cs typeface="Leelawadee UI" panose="020B0502040204020203" pitchFamily="34" charset="-34"/>
+              </a:rPr>
+              <a:t>Hue: </a:t>
+            </a:r>
+            <a:r>
+              <a:rPr lang="en-US" sz="1400" dirty="0" smtClean="0">
+                <a:latin typeface="Leelawadee UI" panose="020B0502040204020203" pitchFamily="34" charset="-34"/>
+                <a:cs typeface="Leelawadee UI" panose="020B0502040204020203" pitchFamily="34" charset="-34"/>
+              </a:rPr>
+              <a:t>0</a:t>
+            </a:r>
+          </a:p>
+          <a:p>
+            <a:pPr algn="ctr"/>
+            <a:r>
+              <a:rPr lang="en-US" sz="1400" b="1" dirty="0" smtClean="0">
+                <a:latin typeface="Leelawadee UI" panose="020B0502040204020203" pitchFamily="34" charset="-34"/>
+                <a:cs typeface="Leelawadee UI" panose="020B0502040204020203" pitchFamily="34" charset="-34"/>
+              </a:rPr>
+              <a:t>Saturation: </a:t>
+            </a:r>
+            <a:r>
+              <a:rPr lang="en-US" sz="1400" dirty="0" smtClean="0">
+                <a:latin typeface="Leelawadee UI" panose="020B0502040204020203" pitchFamily="34" charset="-34"/>
+                <a:cs typeface="Leelawadee UI" panose="020B0502040204020203" pitchFamily="34" charset="-34"/>
+              </a:rPr>
+              <a:t>100</a:t>
+            </a:r>
+          </a:p>
+          <a:p>
+            <a:pPr algn="ctr"/>
+            <a:r>
+              <a:rPr lang="en-US" sz="1400" b="1" dirty="0" smtClean="0">
+                <a:latin typeface="Leelawadee UI" panose="020B0502040204020203" pitchFamily="34" charset="-34"/>
+                <a:cs typeface="Leelawadee UI" panose="020B0502040204020203" pitchFamily="34" charset="-34"/>
+              </a:rPr>
+              <a:t>Brightness: </a:t>
+            </a:r>
+            <a:r>
+              <a:rPr lang="en-US" sz="1400" dirty="0" smtClean="0">
+                <a:latin typeface="Leelawadee UI" panose="020B0502040204020203" pitchFamily="34" charset="-34"/>
+                <a:cs typeface="Leelawadee UI" panose="020B0502040204020203" pitchFamily="34" charset="-34"/>
+              </a:rPr>
+              <a:t>100</a:t>
+            </a:r>
+          </a:p>
+          <a:p>
+            <a:pPr algn="ctr"/>
+            <a:endParaRPr lang="en-US" sz="1400" dirty="0">
+              <a:latin typeface="Leelawadee UI" panose="020B0502040204020203" pitchFamily="34" charset="-34"/>
+              <a:cs typeface="Leelawadee UI" panose="020B0502040204020203" pitchFamily="34" charset="-34"/>
+            </a:endParaRPr>
+          </a:p>
+          <a:p>
+            <a:pPr algn="ctr"/>
+            <a:r>
+              <a:rPr lang="en-US" sz="1400" b="1" dirty="0" smtClean="0">
+                <a:latin typeface="Leelawadee UI" panose="020B0502040204020203" pitchFamily="34" charset="-34"/>
+                <a:cs typeface="Leelawadee UI" panose="020B0502040204020203" pitchFamily="34" charset="-34"/>
+              </a:rPr>
+              <a:t>Hex: </a:t>
+            </a:r>
+            <a:r>
+              <a:rPr lang="en-US" sz="1400" dirty="0" smtClean="0">
+                <a:latin typeface="Leelawadee UI" panose="020B0502040204020203" pitchFamily="34" charset="-34"/>
+                <a:cs typeface="Leelawadee UI" panose="020B0502040204020203" pitchFamily="34" charset="-34"/>
+              </a:rPr>
+              <a:t>#FE0000</a:t>
+            </a:r>
+          </a:p>
+          <a:p>
+            <a:pPr algn="ctr"/>
+            <a:endParaRPr lang="en-US" sz="1400" dirty="0">
+              <a:latin typeface="Leelawadee UI" panose="020B0502040204020203" pitchFamily="34" charset="-34"/>
+              <a:cs typeface="Leelawadee UI" panose="020B0502040204020203" pitchFamily="34" charset="-34"/>
+            </a:endParaRPr>
+          </a:p>
+          <a:p>
+            <a:pPr algn="ctr"/>
+            <a:r>
+              <a:rPr lang="en-US" sz="1400" b="1" dirty="0">
+                <a:latin typeface="Leelawadee UI" panose="020B0502040204020203" pitchFamily="34" charset="-34"/>
+                <a:cs typeface="Leelawadee UI" panose="020B0502040204020203" pitchFamily="34" charset="-34"/>
+              </a:rPr>
+              <a:t>RGB: </a:t>
+            </a:r>
+            <a:r>
+              <a:rPr lang="en-US" sz="1400" dirty="0" smtClean="0">
+                <a:latin typeface="Leelawadee UI" panose="020B0502040204020203" pitchFamily="34" charset="-34"/>
+                <a:cs typeface="Leelawadee UI" panose="020B0502040204020203" pitchFamily="34" charset="-34"/>
+              </a:rPr>
+              <a:t>254, 0, 0</a:t>
+            </a:r>
+            <a:endParaRPr lang="en-US" sz="1400" dirty="0">
+              <a:latin typeface="Leelawadee UI" panose="020B0502040204020203" pitchFamily="34" charset="-34"/>
+              <a:cs typeface="Leelawadee UI" panose="020B0502040204020203" pitchFamily="34" charset="-34"/>
+            </a:endParaRPr>
+          </a:p>
+        </p:txBody>
+      </p:sp>
+    </p:spTree>
+    <p:extLst>
+      <p:ext uri="{BB962C8B-B14F-4D97-AF65-F5344CB8AC3E}">
+        <p14:creationId xmlns:p14="http://schemas.microsoft.com/office/powerpoint/2010/main" val="2394765410"/>
+      </p:ext>
+    </p:extLst>
+  </p:cSld>
+  <p:clrMapOvr>
+    <a:masterClrMapping/>
+  </p:clrMapOvr>
+</p:sld>
+</file>
+
+<file path=ppt/slides/slide4.xml><?xml version="1.0" encoding="utf-8"?>
+<p:sld xmlns:a="http://schemas.openxmlformats.org/drawingml/2006/main" xmlns:r="http://schemas.openxmlformats.org/officeDocument/2006/relationships" xmlns:p="http://schemas.openxmlformats.org/presentationml/2006/main">
+  <p:cSld>
+    <p:spTree>
+      <p:nvGrpSpPr>
+        <p:cNvPr id="1" name=""/>
+        <p:cNvGrpSpPr/>
+        <p:nvPr/>
+      </p:nvGrpSpPr>
+      <p:grpSpPr>
+        <a:xfrm>
+          <a:off x="0" y="0"/>
+          <a:ext cx="0" cy="0"/>
+          <a:chOff x="0" y="0"/>
+          <a:chExt cx="0" cy="0"/>
+        </a:xfrm>
+      </p:grpSpPr>
+      <p:pic>
+        <p:nvPicPr>
+          <p:cNvPr id="28" name="Picture 27"/>
+          <p:cNvPicPr>
+            <a:picLocks noChangeAspect="1"/>
+          </p:cNvPicPr>
+          <p:nvPr/>
+        </p:nvPicPr>
+        <p:blipFill>
+          <a:blip r:embed="rId2">
+            <a:extLst>
+              <a:ext uri="{28A0092B-C50C-407E-A947-70E740481C1C}">
+                <a14:useLocalDpi xmlns:a14="http://schemas.microsoft.com/office/drawing/2010/main" val="0"/>
+              </a:ext>
+            </a:extLst>
+          </a:blip>
+          <a:stretch>
+            <a:fillRect/>
+          </a:stretch>
+        </p:blipFill>
+        <p:spPr>
+          <a:xfrm>
+            <a:off x="683133" y="1133476"/>
+            <a:ext cx="2286000" cy="2286000"/>
+          </a:xfrm>
+          <a:prstGeom prst="rect">
+            <a:avLst/>
+          </a:prstGeom>
+        </p:spPr>
+      </p:pic>
+      <p:pic>
+        <p:nvPicPr>
+          <p:cNvPr id="29" name="Picture 28"/>
+          <p:cNvPicPr>
+            <a:picLocks noChangeAspect="1"/>
+          </p:cNvPicPr>
+          <p:nvPr/>
+        </p:nvPicPr>
+        <p:blipFill>
+          <a:blip r:embed="rId3">
+            <a:extLst>
+              <a:ext uri="{28A0092B-C50C-407E-A947-70E740481C1C}">
+                <a14:useLocalDpi xmlns:a14="http://schemas.microsoft.com/office/drawing/2010/main" val="0"/>
+              </a:ext>
+            </a:extLst>
+          </a:blip>
+          <a:stretch>
+            <a:fillRect/>
+          </a:stretch>
+        </p:blipFill>
+        <p:spPr>
+          <a:xfrm>
+            <a:off x="683133" y="3998459"/>
+            <a:ext cx="2286000" cy="2286000"/>
+          </a:xfrm>
+          <a:prstGeom prst="rect">
+            <a:avLst/>
+          </a:prstGeom>
+        </p:spPr>
+      </p:pic>
+      <p:pic>
+        <p:nvPicPr>
+          <p:cNvPr id="30" name="Picture 29"/>
+          <p:cNvPicPr>
+            <a:picLocks noChangeAspect="1"/>
+          </p:cNvPicPr>
+          <p:nvPr/>
+        </p:nvPicPr>
+        <p:blipFill>
+          <a:blip r:embed="rId4">
+            <a:extLst>
+              <a:ext uri="{28A0092B-C50C-407E-A947-70E740481C1C}">
+                <a14:useLocalDpi xmlns:a14="http://schemas.microsoft.com/office/drawing/2010/main" val="0"/>
+              </a:ext>
+            </a:extLst>
+          </a:blip>
+          <a:stretch>
+            <a:fillRect/>
+          </a:stretch>
+        </p:blipFill>
+        <p:spPr>
+          <a:xfrm>
+            <a:off x="3695261" y="1133476"/>
+            <a:ext cx="2286000" cy="2286000"/>
+          </a:xfrm>
+          <a:prstGeom prst="rect">
+            <a:avLst/>
+          </a:prstGeom>
+        </p:spPr>
+      </p:pic>
+      <p:pic>
+        <p:nvPicPr>
+          <p:cNvPr id="31" name="Picture 30"/>
+          <p:cNvPicPr>
+            <a:picLocks noChangeAspect="1"/>
+          </p:cNvPicPr>
+          <p:nvPr/>
+        </p:nvPicPr>
+        <p:blipFill>
+          <a:blip r:embed="rId5">
+            <a:extLst>
+              <a:ext uri="{28A0092B-C50C-407E-A947-70E740481C1C}">
+                <a14:useLocalDpi xmlns:a14="http://schemas.microsoft.com/office/drawing/2010/main" val="0"/>
+              </a:ext>
+            </a:extLst>
+          </a:blip>
+          <a:stretch>
+            <a:fillRect/>
+          </a:stretch>
+        </p:blipFill>
+        <p:spPr>
+          <a:xfrm>
+            <a:off x="3690490" y="4003221"/>
+            <a:ext cx="2286000" cy="2286000"/>
+          </a:xfrm>
+          <a:prstGeom prst="rect">
+            <a:avLst/>
+          </a:prstGeom>
+        </p:spPr>
+      </p:pic>
+      <p:pic>
+        <p:nvPicPr>
+          <p:cNvPr id="32" name="Picture 31"/>
+          <p:cNvPicPr>
+            <a:picLocks noChangeAspect="1"/>
+          </p:cNvPicPr>
+          <p:nvPr/>
+        </p:nvPicPr>
+        <p:blipFill>
+          <a:blip r:embed="rId6">
+            <a:extLst>
+              <a:ext uri="{28A0092B-C50C-407E-A947-70E740481C1C}">
+                <a14:useLocalDpi xmlns:a14="http://schemas.microsoft.com/office/drawing/2010/main" val="0"/>
+              </a:ext>
+            </a:extLst>
+          </a:blip>
+          <a:stretch>
+            <a:fillRect/>
+          </a:stretch>
+        </p:blipFill>
+        <p:spPr>
+          <a:xfrm>
+            <a:off x="6721701" y="1146176"/>
+            <a:ext cx="2286000" cy="2286000"/>
+          </a:xfrm>
+          <a:prstGeom prst="rect">
+            <a:avLst/>
+          </a:prstGeom>
+        </p:spPr>
+      </p:pic>
+      <p:pic>
+        <p:nvPicPr>
+          <p:cNvPr id="33" name="Picture 32"/>
+          <p:cNvPicPr>
+            <a:picLocks noChangeAspect="1"/>
+          </p:cNvPicPr>
+          <p:nvPr/>
+        </p:nvPicPr>
+        <p:blipFill>
+          <a:blip r:embed="rId7">
+            <a:extLst>
+              <a:ext uri="{28A0092B-C50C-407E-A947-70E740481C1C}">
+                <a14:useLocalDpi xmlns:a14="http://schemas.microsoft.com/office/drawing/2010/main" val="0"/>
+              </a:ext>
+            </a:extLst>
+          </a:blip>
+          <a:stretch>
+            <a:fillRect/>
+          </a:stretch>
+        </p:blipFill>
+        <p:spPr>
+          <a:xfrm>
+            <a:off x="6721701" y="3998459"/>
+            <a:ext cx="2286000" cy="2286000"/>
+          </a:xfrm>
+          <a:prstGeom prst="rect">
+            <a:avLst/>
+          </a:prstGeom>
+        </p:spPr>
+      </p:pic>
+      <p:pic>
+        <p:nvPicPr>
+          <p:cNvPr id="34" name="Picture 33"/>
+          <p:cNvPicPr>
+            <a:picLocks noChangeAspect="1"/>
+          </p:cNvPicPr>
+          <p:nvPr/>
+        </p:nvPicPr>
+        <p:blipFill>
+          <a:blip r:embed="rId8">
+            <a:extLst>
+              <a:ext uri="{28A0092B-C50C-407E-A947-70E740481C1C}">
+                <a14:useLocalDpi xmlns:a14="http://schemas.microsoft.com/office/drawing/2010/main" val="0"/>
+              </a:ext>
+            </a:extLst>
+          </a:blip>
+          <a:stretch>
+            <a:fillRect/>
+          </a:stretch>
+        </p:blipFill>
+        <p:spPr>
+          <a:xfrm>
+            <a:off x="9724286" y="1146176"/>
+            <a:ext cx="2290772" cy="2286000"/>
+          </a:xfrm>
+          <a:prstGeom prst="rect">
+            <a:avLst/>
+          </a:prstGeom>
+        </p:spPr>
+      </p:pic>
+      <p:pic>
+        <p:nvPicPr>
+          <p:cNvPr id="35" name="Picture 34"/>
+          <p:cNvPicPr>
+            <a:picLocks noChangeAspect="1"/>
+          </p:cNvPicPr>
+          <p:nvPr/>
+        </p:nvPicPr>
+        <p:blipFill>
+          <a:blip r:embed="rId9">
+            <a:extLst>
+              <a:ext uri="{28A0092B-C50C-407E-A947-70E740481C1C}">
+                <a14:useLocalDpi xmlns:a14="http://schemas.microsoft.com/office/drawing/2010/main" val="0"/>
+              </a:ext>
+            </a:extLst>
+          </a:blip>
+          <a:stretch>
+            <a:fillRect/>
+          </a:stretch>
+        </p:blipFill>
+        <p:spPr>
+          <a:xfrm>
+            <a:off x="9729058" y="4003221"/>
+            <a:ext cx="2286000" cy="2286000"/>
+          </a:xfrm>
+          <a:prstGeom prst="rect">
+            <a:avLst/>
+          </a:prstGeom>
+        </p:spPr>
+      </p:pic>
+    </p:spTree>
+    <p:extLst>
+      <p:ext uri="{BB962C8B-B14F-4D97-AF65-F5344CB8AC3E}">
+        <p14:creationId xmlns:p14="http://schemas.microsoft.com/office/powerpoint/2010/main" val="13000126"/>
+      </p:ext>
+    </p:extLst>
+  </p:cSld>
+  <p:clrMapOvr>
+    <a:masterClrMapping/>
+  </p:clrMapOvr>
+</p:sld>
+</file>
+
+<file path=ppt/slides/slide5.xml><?xml version="1.0" encoding="utf-8"?>
+<p:sld xmlns:a="http://schemas.openxmlformats.org/drawingml/2006/main" xmlns:r="http://schemas.openxmlformats.org/officeDocument/2006/relationships" xmlns:p="http://schemas.openxmlformats.org/presentationml/2006/main">
+  <p:cSld>
+    <p:spTree>
+      <p:nvGrpSpPr>
+        <p:cNvPr id="1" name=""/>
+        <p:cNvGrpSpPr/>
+        <p:nvPr/>
+      </p:nvGrpSpPr>
+      <p:grpSpPr>
+        <a:xfrm>
+          <a:off x="0" y="0"/>
+          <a:ext cx="0" cy="0"/>
+          <a:chOff x="0" y="0"/>
+          <a:chExt cx="0" cy="0"/>
+        </a:xfrm>
+      </p:grpSpPr>
+      <p:pic>
+        <p:nvPicPr>
+          <p:cNvPr id="18" name="Picture 17"/>
+          <p:cNvPicPr>
+            <a:picLocks noChangeAspect="1"/>
+          </p:cNvPicPr>
+          <p:nvPr/>
+        </p:nvPicPr>
+        <p:blipFill>
+          <a:blip r:embed="rId2">
+            <a:extLst>
+              <a:ext uri="{28A0092B-C50C-407E-A947-70E740481C1C}">
+                <a14:useLocalDpi xmlns:a14="http://schemas.microsoft.com/office/drawing/2010/main" val="0"/>
+              </a:ext>
+            </a:extLst>
+          </a:blip>
+          <a:stretch>
+            <a:fillRect/>
+          </a:stretch>
+        </p:blipFill>
+        <p:spPr>
+          <a:xfrm>
+            <a:off x="9724286" y="1146176"/>
+            <a:ext cx="2286000" cy="2286000"/>
+          </a:xfrm>
+          <a:prstGeom prst="rect">
+            <a:avLst/>
+          </a:prstGeom>
+        </p:spPr>
+      </p:pic>
+      <p:pic>
+        <p:nvPicPr>
+          <p:cNvPr id="19" name="Picture 18"/>
+          <p:cNvPicPr>
+            <a:picLocks noChangeAspect="1"/>
+          </p:cNvPicPr>
+          <p:nvPr/>
+        </p:nvPicPr>
+        <p:blipFill>
+          <a:blip r:embed="rId3">
+            <a:extLst>
+              <a:ext uri="{28A0092B-C50C-407E-A947-70E740481C1C}">
+                <a14:useLocalDpi xmlns:a14="http://schemas.microsoft.com/office/drawing/2010/main" val="0"/>
+              </a:ext>
+            </a:extLst>
+          </a:blip>
+          <a:stretch>
+            <a:fillRect/>
+          </a:stretch>
+        </p:blipFill>
+        <p:spPr>
+          <a:xfrm>
+            <a:off x="9724286" y="3998459"/>
+            <a:ext cx="2286000" cy="2286000"/>
+          </a:xfrm>
+          <a:prstGeom prst="rect">
+            <a:avLst/>
+          </a:prstGeom>
+        </p:spPr>
+      </p:pic>
+      <p:pic>
+        <p:nvPicPr>
+          <p:cNvPr id="20" name="Picture 19"/>
+          <p:cNvPicPr>
+            <a:picLocks noChangeAspect="1"/>
+          </p:cNvPicPr>
+          <p:nvPr/>
+        </p:nvPicPr>
+        <p:blipFill>
+          <a:blip r:embed="rId4">
+            <a:extLst>
+              <a:ext uri="{28A0092B-C50C-407E-A947-70E740481C1C}">
+                <a14:useLocalDpi xmlns:a14="http://schemas.microsoft.com/office/drawing/2010/main" val="0"/>
+              </a:ext>
+            </a:extLst>
+          </a:blip>
+          <a:stretch>
+            <a:fillRect/>
+          </a:stretch>
+        </p:blipFill>
+        <p:spPr>
+          <a:xfrm>
+            <a:off x="6716929" y="1146176"/>
+            <a:ext cx="2286000" cy="2286000"/>
+          </a:xfrm>
+          <a:prstGeom prst="rect">
+            <a:avLst/>
+          </a:prstGeom>
+        </p:spPr>
+      </p:pic>
+      <p:pic>
+        <p:nvPicPr>
+          <p:cNvPr id="21" name="Picture 20"/>
+          <p:cNvPicPr>
+            <a:picLocks noChangeAspect="1"/>
+          </p:cNvPicPr>
+          <p:nvPr/>
+        </p:nvPicPr>
+        <p:blipFill>
+          <a:blip r:embed="rId5">
+            <a:extLst>
+              <a:ext uri="{28A0092B-C50C-407E-A947-70E740481C1C}">
+                <a14:useLocalDpi xmlns:a14="http://schemas.microsoft.com/office/drawing/2010/main" val="0"/>
+              </a:ext>
+            </a:extLst>
+          </a:blip>
+          <a:stretch>
+            <a:fillRect/>
+          </a:stretch>
+        </p:blipFill>
+        <p:spPr>
+          <a:xfrm>
+            <a:off x="6721701" y="3998459"/>
+            <a:ext cx="2286000" cy="2286000"/>
+          </a:xfrm>
+          <a:prstGeom prst="rect">
+            <a:avLst/>
+          </a:prstGeom>
+        </p:spPr>
+      </p:pic>
+      <p:pic>
+        <p:nvPicPr>
+          <p:cNvPr id="22" name="Picture 21"/>
+          <p:cNvPicPr>
+            <a:picLocks noChangeAspect="1"/>
+          </p:cNvPicPr>
+          <p:nvPr/>
+        </p:nvPicPr>
+        <p:blipFill>
+          <a:blip r:embed="rId6">
+            <a:extLst>
+              <a:ext uri="{28A0092B-C50C-407E-A947-70E740481C1C}">
+                <a14:useLocalDpi xmlns:a14="http://schemas.microsoft.com/office/drawing/2010/main" val="0"/>
+              </a:ext>
+            </a:extLst>
+          </a:blip>
+          <a:stretch>
+            <a:fillRect/>
+          </a:stretch>
+        </p:blipFill>
+        <p:spPr>
+          <a:xfrm>
+            <a:off x="3714344" y="1146176"/>
+            <a:ext cx="2286000" cy="2286000"/>
+          </a:xfrm>
+          <a:prstGeom prst="rect">
+            <a:avLst/>
+          </a:prstGeom>
+        </p:spPr>
+      </p:pic>
+      <p:pic>
+        <p:nvPicPr>
+          <p:cNvPr id="23" name="Picture 22"/>
+          <p:cNvPicPr>
+            <a:picLocks noChangeAspect="1"/>
+          </p:cNvPicPr>
+          <p:nvPr/>
+        </p:nvPicPr>
+        <p:blipFill>
+          <a:blip r:embed="rId7">
+            <a:extLst>
+              <a:ext uri="{28A0092B-C50C-407E-A947-70E740481C1C}">
+                <a14:useLocalDpi xmlns:a14="http://schemas.microsoft.com/office/drawing/2010/main" val="0"/>
+              </a:ext>
+            </a:extLst>
+          </a:blip>
+          <a:stretch>
+            <a:fillRect/>
+          </a:stretch>
+        </p:blipFill>
+        <p:spPr>
+          <a:xfrm>
+            <a:off x="3690490" y="3998459"/>
+            <a:ext cx="2286000" cy="2286000"/>
+          </a:xfrm>
+          <a:prstGeom prst="rect">
+            <a:avLst/>
+          </a:prstGeom>
+        </p:spPr>
+      </p:pic>
+      <p:pic>
+        <p:nvPicPr>
+          <p:cNvPr id="24" name="Picture 23"/>
+          <p:cNvPicPr>
+            <a:picLocks noChangeAspect="1"/>
+          </p:cNvPicPr>
+          <p:nvPr/>
+        </p:nvPicPr>
+        <p:blipFill>
+          <a:blip r:embed="rId8">
+            <a:extLst>
+              <a:ext uri="{28A0092B-C50C-407E-A947-70E740481C1C}">
+                <a14:useLocalDpi xmlns:a14="http://schemas.microsoft.com/office/drawing/2010/main" val="0"/>
+              </a:ext>
+            </a:extLst>
+          </a:blip>
+          <a:stretch>
+            <a:fillRect/>
+          </a:stretch>
+        </p:blipFill>
+        <p:spPr>
+          <a:xfrm>
+            <a:off x="683133" y="1133476"/>
+            <a:ext cx="2286000" cy="2286000"/>
+          </a:xfrm>
+          <a:prstGeom prst="rect">
+            <a:avLst/>
+          </a:prstGeom>
+        </p:spPr>
+      </p:pic>
+      <p:pic>
+        <p:nvPicPr>
+          <p:cNvPr id="25" name="Picture 24"/>
+          <p:cNvPicPr>
+            <a:picLocks noChangeAspect="1"/>
+          </p:cNvPicPr>
+          <p:nvPr/>
+        </p:nvPicPr>
+        <p:blipFill>
+          <a:blip r:embed="rId9">
+            <a:extLst>
+              <a:ext uri="{28A0092B-C50C-407E-A947-70E740481C1C}">
+                <a14:useLocalDpi xmlns:a14="http://schemas.microsoft.com/office/drawing/2010/main" val="0"/>
+              </a:ext>
+            </a:extLst>
+          </a:blip>
+          <a:stretch>
+            <a:fillRect/>
+          </a:stretch>
+        </p:blipFill>
+        <p:spPr>
+          <a:xfrm>
+            <a:off x="683133" y="3998459"/>
+            <a:ext cx="2286000" cy="2286000"/>
+          </a:xfrm>
+          <a:prstGeom prst="rect">
+            <a:avLst/>
+          </a:prstGeom>
+        </p:spPr>
+      </p:pic>
+    </p:spTree>
+    <p:extLst>
+      <p:ext uri="{BB962C8B-B14F-4D97-AF65-F5344CB8AC3E}">
+        <p14:creationId xmlns:p14="http://schemas.microsoft.com/office/powerpoint/2010/main" val="2897977549"/>
+      </p:ext>
+    </p:extLst>
+  </p:cSld>
+  <p:clrMapOvr>
+    <a:masterClrMapping/>
+  </p:clrMapOvr>
+</p:sld>
+</file>
+
+<file path=ppt/slides/slide6.xml><?xml version="1.0" encoding="utf-8"?>
+<p:sld xmlns:a="http://schemas.openxmlformats.org/drawingml/2006/main" xmlns:r="http://schemas.openxmlformats.org/officeDocument/2006/relationships" xmlns:p="http://schemas.openxmlformats.org/presentationml/2006/main">
+  <p:cSld>
+    <p:spTree>
+      <p:nvGrpSpPr>
+        <p:cNvPr id="1" name=""/>
+        <p:cNvGrpSpPr/>
+        <p:nvPr/>
+      </p:nvGrpSpPr>
+      <p:grpSpPr>
+        <a:xfrm>
+          <a:off x="0" y="0"/>
+          <a:ext cx="0" cy="0"/>
+          <a:chOff x="0" y="0"/>
+          <a:chExt cx="0" cy="0"/>
+        </a:xfrm>
+      </p:grpSpPr>
+      <p:pic>
+        <p:nvPicPr>
+          <p:cNvPr id="14" name="Picture 13"/>
+          <p:cNvPicPr>
+            <a:picLocks noChangeAspect="1"/>
+          </p:cNvPicPr>
+          <p:nvPr/>
+        </p:nvPicPr>
+        <p:blipFill>
+          <a:blip r:embed="rId2">
+            <a:extLst>
+              <a:ext uri="{28A0092B-C50C-407E-A947-70E740481C1C}">
+                <a14:useLocalDpi xmlns:a14="http://schemas.microsoft.com/office/drawing/2010/main" val="0"/>
+              </a:ext>
+            </a:extLst>
+          </a:blip>
+          <a:stretch>
+            <a:fillRect/>
+          </a:stretch>
+        </p:blipFill>
+        <p:spPr>
+          <a:xfrm>
+            <a:off x="4014" y="447676"/>
+            <a:ext cx="2286000" cy="2286000"/>
+          </a:xfrm>
+          <a:prstGeom prst="rect">
+            <a:avLst/>
+          </a:prstGeom>
+        </p:spPr>
+      </p:pic>
+      <p:pic>
+        <p:nvPicPr>
+          <p:cNvPr id="15" name="Picture 14"/>
+          <p:cNvPicPr>
+            <a:picLocks noChangeAspect="1"/>
+          </p:cNvPicPr>
+          <p:nvPr/>
+        </p:nvPicPr>
+        <p:blipFill>
+          <a:blip r:embed="rId3">
+            <a:extLst>
+              <a:ext uri="{28A0092B-C50C-407E-A947-70E740481C1C}">
+                <a14:useLocalDpi xmlns:a14="http://schemas.microsoft.com/office/drawing/2010/main" val="0"/>
+              </a:ext>
+            </a:extLst>
+          </a:blip>
+          <a:stretch>
+            <a:fillRect/>
+          </a:stretch>
+        </p:blipFill>
+        <p:spPr>
+          <a:xfrm>
+            <a:off x="4014" y="3299959"/>
+            <a:ext cx="2286000" cy="2286000"/>
+          </a:xfrm>
+          <a:prstGeom prst="rect">
+            <a:avLst/>
+          </a:prstGeom>
+        </p:spPr>
+      </p:pic>
+      <p:pic>
+        <p:nvPicPr>
+          <p:cNvPr id="16" name="Picture 15"/>
+          <p:cNvPicPr>
+            <a:picLocks noChangeAspect="1"/>
+          </p:cNvPicPr>
+          <p:nvPr/>
+        </p:nvPicPr>
+        <p:blipFill>
+          <a:blip r:embed="rId4">
+            <a:extLst>
+              <a:ext uri="{28A0092B-C50C-407E-A947-70E740481C1C}">
+                <a14:useLocalDpi xmlns:a14="http://schemas.microsoft.com/office/drawing/2010/main" val="0"/>
+              </a:ext>
+            </a:extLst>
+          </a:blip>
+          <a:stretch>
+            <a:fillRect/>
+          </a:stretch>
+        </p:blipFill>
+        <p:spPr>
+          <a:xfrm>
+            <a:off x="3006599" y="447676"/>
+            <a:ext cx="2286000" cy="2286000"/>
+          </a:xfrm>
+          <a:prstGeom prst="rect">
+            <a:avLst/>
+          </a:prstGeom>
+        </p:spPr>
+      </p:pic>
+      <p:pic>
+        <p:nvPicPr>
+          <p:cNvPr id="17" name="Picture 16"/>
+          <p:cNvPicPr>
+            <a:picLocks noChangeAspect="1"/>
+          </p:cNvPicPr>
+          <p:nvPr/>
+        </p:nvPicPr>
+        <p:blipFill>
+          <a:blip r:embed="rId5">
+            <a:extLst>
+              <a:ext uri="{28A0092B-C50C-407E-A947-70E740481C1C}">
+                <a14:useLocalDpi xmlns:a14="http://schemas.microsoft.com/office/drawing/2010/main" val="0"/>
+              </a:ext>
+            </a:extLst>
+          </a:blip>
+          <a:stretch>
+            <a:fillRect/>
+          </a:stretch>
+        </p:blipFill>
+        <p:spPr>
+          <a:xfrm>
+            <a:off x="3006599" y="3299959"/>
+            <a:ext cx="2286000" cy="2286000"/>
+          </a:xfrm>
+          <a:prstGeom prst="rect">
+            <a:avLst/>
+          </a:prstGeom>
+        </p:spPr>
+      </p:pic>
+      <p:pic>
+        <p:nvPicPr>
+          <p:cNvPr id="18" name="Picture 17"/>
+          <p:cNvPicPr>
+            <a:picLocks noChangeAspect="1"/>
+          </p:cNvPicPr>
+          <p:nvPr/>
+        </p:nvPicPr>
+        <p:blipFill>
+          <a:blip r:embed="rId6">
+            <a:extLst>
+              <a:ext uri="{28A0092B-C50C-407E-A947-70E740481C1C}">
+                <a14:useLocalDpi xmlns:a14="http://schemas.microsoft.com/office/drawing/2010/main" val="0"/>
+              </a:ext>
+            </a:extLst>
+          </a:blip>
+          <a:stretch>
+            <a:fillRect/>
+          </a:stretch>
+        </p:blipFill>
+        <p:spPr>
+          <a:xfrm>
+            <a:off x="6037810" y="434976"/>
+            <a:ext cx="2286000" cy="2286000"/>
+          </a:xfrm>
+          <a:prstGeom prst="rect">
+            <a:avLst/>
+          </a:prstGeom>
+        </p:spPr>
+      </p:pic>
+      <p:pic>
+        <p:nvPicPr>
+          <p:cNvPr id="19" name="Picture 18"/>
+          <p:cNvPicPr>
+            <a:picLocks noChangeAspect="1"/>
+          </p:cNvPicPr>
+          <p:nvPr/>
+        </p:nvPicPr>
+        <p:blipFill>
+          <a:blip r:embed="rId7">
+            <a:extLst>
+              <a:ext uri="{28A0092B-C50C-407E-A947-70E740481C1C}">
+                <a14:useLocalDpi xmlns:a14="http://schemas.microsoft.com/office/drawing/2010/main" val="0"/>
+              </a:ext>
+            </a:extLst>
+          </a:blip>
+          <a:stretch>
+            <a:fillRect/>
+          </a:stretch>
+        </p:blipFill>
+        <p:spPr>
+          <a:xfrm>
+            <a:off x="6037810" y="3299959"/>
+            <a:ext cx="2286000" cy="2286000"/>
+          </a:xfrm>
+          <a:prstGeom prst="rect">
+            <a:avLst/>
+          </a:prstGeom>
+        </p:spPr>
+      </p:pic>
+      <p:pic>
+        <p:nvPicPr>
+          <p:cNvPr id="20" name="Picture 19"/>
+          <p:cNvPicPr>
+            <a:picLocks noChangeAspect="1"/>
+          </p:cNvPicPr>
+          <p:nvPr/>
+        </p:nvPicPr>
+        <p:blipFill>
+          <a:blip r:embed="rId8">
+            <a:extLst>
+              <a:ext uri="{28A0092B-C50C-407E-A947-70E740481C1C}">
+                <a14:useLocalDpi xmlns:a14="http://schemas.microsoft.com/office/drawing/2010/main" val="0"/>
+              </a:ext>
+            </a:extLst>
+          </a:blip>
+          <a:stretch>
+            <a:fillRect/>
+          </a:stretch>
+        </p:blipFill>
+        <p:spPr>
+          <a:xfrm>
+            <a:off x="9040395" y="447676"/>
+            <a:ext cx="2286000" cy="2286000"/>
+          </a:xfrm>
+          <a:prstGeom prst="rect">
+            <a:avLst/>
+          </a:prstGeom>
+        </p:spPr>
+      </p:pic>
+      <p:pic>
+        <p:nvPicPr>
+          <p:cNvPr id="21" name="Picture 20"/>
+          <p:cNvPicPr>
+            <a:picLocks noChangeAspect="1"/>
+          </p:cNvPicPr>
+          <p:nvPr/>
+        </p:nvPicPr>
+        <p:blipFill>
+          <a:blip r:embed="rId9">
+            <a:extLst>
+              <a:ext uri="{28A0092B-C50C-407E-A947-70E740481C1C}">
+                <a14:useLocalDpi xmlns:a14="http://schemas.microsoft.com/office/drawing/2010/main" val="0"/>
+              </a:ext>
+            </a:extLst>
+          </a:blip>
+          <a:stretch>
+            <a:fillRect/>
+          </a:stretch>
+        </p:blipFill>
+        <p:spPr>
+          <a:xfrm>
+            <a:off x="9040395" y="3303135"/>
+            <a:ext cx="2286000" cy="2286000"/>
+          </a:xfrm>
+          <a:prstGeom prst="rect">
+            <a:avLst/>
+          </a:prstGeom>
+        </p:spPr>
+      </p:pic>
+      <p:sp>
+        <p:nvSpPr>
+          <p:cNvPr id="22" name="TextBox 21"/>
+          <p:cNvSpPr txBox="1"/>
+          <p:nvPr/>
+        </p:nvSpPr>
+        <p:spPr>
+          <a:xfrm>
+            <a:off x="4014" y="2511366"/>
+            <a:ext cx="2286000" cy="400110"/>
+          </a:xfrm>
+          <a:prstGeom prst="rect">
+            <a:avLst/>
+          </a:prstGeom>
+          <a:noFill/>
+        </p:spPr>
+        <p:txBody>
+          <a:bodyPr wrap="square" rtlCol="0">
+            <a:spAutoFit/>
+          </a:bodyPr>
+          <a:lstStyle/>
+          <a:p>
+            <a:pPr algn="ctr"/>
+            <a:r>
+              <a:rPr lang="en-US" sz="2000" b="1" dirty="0" smtClean="0">
+                <a:latin typeface="Leelawadee UI" panose="020B0502040204020203" pitchFamily="34" charset="-34"/>
+                <a:cs typeface="Leelawadee UI" panose="020B0502040204020203" pitchFamily="34" charset="-34"/>
+              </a:rPr>
+              <a:t>Happy</a:t>
+            </a:r>
+            <a:endParaRPr lang="en-US" sz="2000" b="1" dirty="0">
+              <a:latin typeface="Leelawadee UI" panose="020B0502040204020203" pitchFamily="34" charset="-34"/>
+              <a:cs typeface="Leelawadee UI" panose="020B0502040204020203" pitchFamily="34" charset="-34"/>
+            </a:endParaRPr>
+          </a:p>
+        </p:txBody>
+      </p:sp>
+      <p:sp>
+        <p:nvSpPr>
+          <p:cNvPr id="23" name="TextBox 22"/>
+          <p:cNvSpPr txBox="1"/>
+          <p:nvPr/>
+        </p:nvSpPr>
+        <p:spPr>
+          <a:xfrm>
+            <a:off x="3020912" y="2511366"/>
+            <a:ext cx="2286000" cy="400110"/>
+          </a:xfrm>
+          <a:prstGeom prst="rect">
+            <a:avLst/>
+          </a:prstGeom>
+          <a:noFill/>
+        </p:spPr>
+        <p:txBody>
+          <a:bodyPr wrap="square" rtlCol="0">
+            <a:spAutoFit/>
+          </a:bodyPr>
+          <a:lstStyle/>
+          <a:p>
+            <a:pPr algn="ctr"/>
+            <a:r>
+              <a:rPr lang="en-US" sz="2000" b="1" dirty="0" smtClean="0">
+                <a:latin typeface="Leelawadee UI" panose="020B0502040204020203" pitchFamily="34" charset="-34"/>
+                <a:cs typeface="Leelawadee UI" panose="020B0502040204020203" pitchFamily="34" charset="-34"/>
+              </a:rPr>
+              <a:t>Excited</a:t>
+            </a:r>
+            <a:endParaRPr lang="en-US" sz="2000" b="1" dirty="0">
+              <a:latin typeface="Leelawadee UI" panose="020B0502040204020203" pitchFamily="34" charset="-34"/>
+              <a:cs typeface="Leelawadee UI" panose="020B0502040204020203" pitchFamily="34" charset="-34"/>
+            </a:endParaRPr>
+          </a:p>
+        </p:txBody>
+      </p:sp>
+      <p:sp>
+        <p:nvSpPr>
+          <p:cNvPr id="24" name="TextBox 23"/>
+          <p:cNvSpPr txBox="1"/>
+          <p:nvPr/>
+        </p:nvSpPr>
+        <p:spPr>
+          <a:xfrm>
+            <a:off x="6037810" y="2511366"/>
+            <a:ext cx="2286000" cy="400110"/>
+          </a:xfrm>
+          <a:prstGeom prst="rect">
+            <a:avLst/>
+          </a:prstGeom>
+          <a:noFill/>
+        </p:spPr>
+        <p:txBody>
+          <a:bodyPr wrap="square" rtlCol="0">
+            <a:spAutoFit/>
+          </a:bodyPr>
+          <a:lstStyle/>
+          <a:p>
+            <a:pPr algn="ctr"/>
+            <a:r>
+              <a:rPr lang="en-US" sz="2000" b="1" dirty="0" smtClean="0">
+                <a:latin typeface="Leelawadee UI" panose="020B0502040204020203" pitchFamily="34" charset="-34"/>
+                <a:cs typeface="Leelawadee UI" panose="020B0502040204020203" pitchFamily="34" charset="-34"/>
+              </a:rPr>
+              <a:t>Pleased</a:t>
+            </a:r>
+            <a:endParaRPr lang="en-US" sz="2000" b="1" dirty="0">
+              <a:latin typeface="Leelawadee UI" panose="020B0502040204020203" pitchFamily="34" charset="-34"/>
+              <a:cs typeface="Leelawadee UI" panose="020B0502040204020203" pitchFamily="34" charset="-34"/>
+            </a:endParaRPr>
+          </a:p>
+        </p:txBody>
+      </p:sp>
+      <p:sp>
+        <p:nvSpPr>
+          <p:cNvPr id="25" name="TextBox 24"/>
+          <p:cNvSpPr txBox="1"/>
+          <p:nvPr/>
+        </p:nvSpPr>
+        <p:spPr>
+          <a:xfrm>
+            <a:off x="9054708" y="2511366"/>
+            <a:ext cx="2286000" cy="400110"/>
+          </a:xfrm>
+          <a:prstGeom prst="rect">
+            <a:avLst/>
+          </a:prstGeom>
+          <a:noFill/>
+        </p:spPr>
+        <p:txBody>
+          <a:bodyPr wrap="square" rtlCol="0">
+            <a:spAutoFit/>
+          </a:bodyPr>
+          <a:lstStyle/>
+          <a:p>
+            <a:pPr algn="ctr"/>
+            <a:r>
+              <a:rPr lang="en-US" sz="2000" b="1" dirty="0" smtClean="0">
+                <a:latin typeface="Leelawadee UI" panose="020B0502040204020203" pitchFamily="34" charset="-34"/>
+                <a:cs typeface="Leelawadee UI" panose="020B0502040204020203" pitchFamily="34" charset="-34"/>
+              </a:rPr>
+              <a:t>Stressed</a:t>
+            </a:r>
+            <a:endParaRPr lang="en-US" sz="2000" b="1" dirty="0">
+              <a:latin typeface="Leelawadee UI" panose="020B0502040204020203" pitchFamily="34" charset="-34"/>
+              <a:cs typeface="Leelawadee UI" panose="020B0502040204020203" pitchFamily="34" charset="-34"/>
+            </a:endParaRPr>
+          </a:p>
+        </p:txBody>
+      </p:sp>
+      <p:sp>
+        <p:nvSpPr>
+          <p:cNvPr id="26" name="TextBox 25"/>
+          <p:cNvSpPr txBox="1"/>
+          <p:nvPr/>
+        </p:nvSpPr>
+        <p:spPr>
+          <a:xfrm>
+            <a:off x="4014" y="5385904"/>
+            <a:ext cx="2286000" cy="400110"/>
+          </a:xfrm>
+          <a:prstGeom prst="rect">
+            <a:avLst/>
+          </a:prstGeom>
+          <a:noFill/>
+        </p:spPr>
+        <p:txBody>
+          <a:bodyPr wrap="square" rtlCol="0">
+            <a:spAutoFit/>
+          </a:bodyPr>
+          <a:lstStyle/>
+          <a:p>
+            <a:pPr algn="ctr"/>
+            <a:r>
+              <a:rPr lang="en-US" sz="2000" b="1" dirty="0" smtClean="0">
+                <a:latin typeface="Leelawadee UI" panose="020B0502040204020203" pitchFamily="34" charset="-34"/>
+                <a:cs typeface="Leelawadee UI" panose="020B0502040204020203" pitchFamily="34" charset="-34"/>
+              </a:rPr>
+              <a:t>Sad</a:t>
+            </a:r>
+            <a:endParaRPr lang="en-US" sz="2000" b="1" dirty="0">
+              <a:latin typeface="Leelawadee UI" panose="020B0502040204020203" pitchFamily="34" charset="-34"/>
+              <a:cs typeface="Leelawadee UI" panose="020B0502040204020203" pitchFamily="34" charset="-34"/>
+            </a:endParaRPr>
+          </a:p>
+        </p:txBody>
+      </p:sp>
+      <p:sp>
+        <p:nvSpPr>
+          <p:cNvPr id="27" name="TextBox 26"/>
+          <p:cNvSpPr txBox="1"/>
+          <p:nvPr/>
+        </p:nvSpPr>
+        <p:spPr>
+          <a:xfrm>
+            <a:off x="3020912" y="5385904"/>
+            <a:ext cx="2286000" cy="400110"/>
+          </a:xfrm>
+          <a:prstGeom prst="rect">
+            <a:avLst/>
+          </a:prstGeom>
+          <a:noFill/>
+        </p:spPr>
+        <p:txBody>
+          <a:bodyPr wrap="square" rtlCol="0">
+            <a:spAutoFit/>
+          </a:bodyPr>
+          <a:lstStyle/>
+          <a:p>
+            <a:pPr algn="ctr"/>
+            <a:r>
+              <a:rPr lang="en-US" sz="2000" b="1" dirty="0" smtClean="0">
+                <a:latin typeface="Leelawadee UI" panose="020B0502040204020203" pitchFamily="34" charset="-34"/>
+                <a:cs typeface="Leelawadee UI" panose="020B0502040204020203" pitchFamily="34" charset="-34"/>
+              </a:rPr>
+              <a:t>Bored</a:t>
+            </a:r>
+            <a:endParaRPr lang="en-US" sz="2000" b="1" dirty="0">
+              <a:latin typeface="Leelawadee UI" panose="020B0502040204020203" pitchFamily="34" charset="-34"/>
+              <a:cs typeface="Leelawadee UI" panose="020B0502040204020203" pitchFamily="34" charset="-34"/>
+            </a:endParaRPr>
+          </a:p>
+        </p:txBody>
+      </p:sp>
+      <p:sp>
+        <p:nvSpPr>
+          <p:cNvPr id="28" name="TextBox 27"/>
+          <p:cNvSpPr txBox="1"/>
+          <p:nvPr/>
+        </p:nvSpPr>
+        <p:spPr>
+          <a:xfrm>
+            <a:off x="6037810" y="5385904"/>
+            <a:ext cx="2286000" cy="400110"/>
+          </a:xfrm>
+          <a:prstGeom prst="rect">
+            <a:avLst/>
+          </a:prstGeom>
+          <a:noFill/>
+        </p:spPr>
+        <p:txBody>
+          <a:bodyPr wrap="square" rtlCol="0">
+            <a:spAutoFit/>
+          </a:bodyPr>
+          <a:lstStyle/>
+          <a:p>
+            <a:pPr algn="ctr"/>
+            <a:r>
+              <a:rPr lang="en-US" sz="2000" b="1" dirty="0" smtClean="0">
+                <a:latin typeface="Leelawadee UI" panose="020B0502040204020203" pitchFamily="34" charset="-34"/>
+                <a:cs typeface="Leelawadee UI" panose="020B0502040204020203" pitchFamily="34" charset="-34"/>
+              </a:rPr>
+              <a:t>Disgusted</a:t>
+            </a:r>
+            <a:endParaRPr lang="en-US" sz="2000" b="1" dirty="0">
+              <a:latin typeface="Leelawadee UI" panose="020B0502040204020203" pitchFamily="34" charset="-34"/>
+              <a:cs typeface="Leelawadee UI" panose="020B0502040204020203" pitchFamily="34" charset="-34"/>
+            </a:endParaRPr>
+          </a:p>
+        </p:txBody>
+      </p:sp>
+      <p:sp>
+        <p:nvSpPr>
+          <p:cNvPr id="29" name="TextBox 28"/>
+          <p:cNvSpPr txBox="1"/>
+          <p:nvPr/>
+        </p:nvSpPr>
+        <p:spPr>
+          <a:xfrm>
+            <a:off x="9054708" y="5385904"/>
+            <a:ext cx="2286000" cy="400110"/>
+          </a:xfrm>
+          <a:prstGeom prst="rect">
+            <a:avLst/>
+          </a:prstGeom>
+          <a:noFill/>
+        </p:spPr>
+        <p:txBody>
+          <a:bodyPr wrap="square" rtlCol="0">
+            <a:spAutoFit/>
+          </a:bodyPr>
+          <a:lstStyle/>
+          <a:p>
+            <a:pPr algn="ctr"/>
+            <a:r>
+              <a:rPr lang="en-US" sz="2000" b="1" dirty="0" smtClean="0">
+                <a:latin typeface="Leelawadee UI" panose="020B0502040204020203" pitchFamily="34" charset="-34"/>
+                <a:cs typeface="Leelawadee UI" panose="020B0502040204020203" pitchFamily="34" charset="-34"/>
+              </a:rPr>
+              <a:t>Calm</a:t>
+            </a:r>
+            <a:endParaRPr lang="en-US" sz="2000" b="1" dirty="0">
+              <a:latin typeface="Leelawadee UI" panose="020B0502040204020203" pitchFamily="34" charset="-34"/>
+              <a:cs typeface="Leelawadee UI" panose="020B0502040204020203" pitchFamily="34" charset="-34"/>
+            </a:endParaRPr>
+          </a:p>
+        </p:txBody>
+      </p:sp>
+    </p:spTree>
+    <p:extLst>
+      <p:ext uri="{BB962C8B-B14F-4D97-AF65-F5344CB8AC3E}">
+        <p14:creationId xmlns:p14="http://schemas.microsoft.com/office/powerpoint/2010/main" val="3095476201"/>
+      </p:ext>
+    </p:extLst>
+  </p:cSld>
+  <p:clrMapOvr>
+    <a:masterClrMapping/>
+  </p:clrMapOvr>
+</p:sld>
+</file>
+
+<file path=ppt/slides/slide7.xml><?xml version="1.0" encoding="utf-8"?>
+<p:sld xmlns:a="http://schemas.openxmlformats.org/drawingml/2006/main" xmlns:r="http://schemas.openxmlformats.org/officeDocument/2006/relationships" xmlns:p="http://schemas.openxmlformats.org/presentationml/2006/main">
+  <p:cSld>
+    <p:spTree>
+      <p:nvGrpSpPr>
+        <p:cNvPr id="1" name=""/>
+        <p:cNvGrpSpPr/>
+        <p:nvPr/>
+      </p:nvGrpSpPr>
+      <p:grpSpPr>
+        <a:xfrm>
+          <a:off x="0" y="0"/>
+          <a:ext cx="0" cy="0"/>
+          <a:chOff x="0" y="0"/>
+          <a:chExt cx="0" cy="0"/>
+        </a:xfrm>
+      </p:grpSpPr>
+      <p:pic>
+        <p:nvPicPr>
+          <p:cNvPr id="2" name="Picture 1"/>
+          <p:cNvPicPr>
+            <a:picLocks noChangeAspect="1"/>
+          </p:cNvPicPr>
+          <p:nvPr/>
+        </p:nvPicPr>
+        <p:blipFill>
+          <a:blip r:embed="rId2">
+            <a:extLst>
+              <a:ext uri="{28A0092B-C50C-407E-A947-70E740481C1C}">
+                <a14:useLocalDpi xmlns:a14="http://schemas.microsoft.com/office/drawing/2010/main" val="0"/>
+              </a:ext>
+            </a:extLst>
+          </a:blip>
+          <a:stretch>
+            <a:fillRect/>
+          </a:stretch>
+        </p:blipFill>
+        <p:spPr>
+          <a:xfrm>
+            <a:off x="2812639" y="501291"/>
+            <a:ext cx="3270345" cy="2743200"/>
+          </a:xfrm>
+          <a:prstGeom prst="rect">
+            <a:avLst/>
+          </a:prstGeom>
+        </p:spPr>
+      </p:pic>
+      <p:pic>
+        <p:nvPicPr>
+          <p:cNvPr id="3" name="Picture 2"/>
+          <p:cNvPicPr>
+            <a:picLocks noChangeAspect="1"/>
+          </p:cNvPicPr>
+          <p:nvPr/>
+        </p:nvPicPr>
+        <p:blipFill>
+          <a:blip r:embed="rId3">
+            <a:extLst>
+              <a:ext uri="{28A0092B-C50C-407E-A947-70E740481C1C}">
+                <a14:useLocalDpi xmlns:a14="http://schemas.microsoft.com/office/drawing/2010/main" val="0"/>
+              </a:ext>
+            </a:extLst>
+          </a:blip>
+          <a:stretch>
+            <a:fillRect/>
+          </a:stretch>
+        </p:blipFill>
+        <p:spPr>
+          <a:xfrm>
+            <a:off x="6757560" y="501291"/>
+            <a:ext cx="3200400" cy="2743200"/>
+          </a:xfrm>
+          <a:prstGeom prst="rect">
+            <a:avLst/>
+          </a:prstGeom>
+        </p:spPr>
+      </p:pic>
+      <p:pic>
+        <p:nvPicPr>
+          <p:cNvPr id="4" name="Picture 3"/>
+          <p:cNvPicPr>
+            <a:picLocks noChangeAspect="1"/>
+          </p:cNvPicPr>
+          <p:nvPr/>
+        </p:nvPicPr>
+        <p:blipFill>
+          <a:blip r:embed="rId4">
+            <a:extLst>
+              <a:ext uri="{28A0092B-C50C-407E-A947-70E740481C1C}">
+                <a14:useLocalDpi xmlns:a14="http://schemas.microsoft.com/office/drawing/2010/main" val="0"/>
+              </a:ext>
+            </a:extLst>
+          </a:blip>
+          <a:stretch>
+            <a:fillRect/>
+          </a:stretch>
+        </p:blipFill>
+        <p:spPr>
+          <a:xfrm>
+            <a:off x="2812639" y="3804886"/>
+            <a:ext cx="3215093" cy="2743200"/>
+          </a:xfrm>
+          <a:prstGeom prst="rect">
+            <a:avLst/>
+          </a:prstGeom>
+        </p:spPr>
+      </p:pic>
+      <p:pic>
+        <p:nvPicPr>
+          <p:cNvPr id="5" name="Picture 4"/>
+          <p:cNvPicPr>
+            <a:picLocks noChangeAspect="1"/>
+          </p:cNvPicPr>
+          <p:nvPr/>
+        </p:nvPicPr>
+        <p:blipFill>
+          <a:blip r:embed="rId5">
+            <a:extLst>
+              <a:ext uri="{28A0092B-C50C-407E-A947-70E740481C1C}">
+                <a14:useLocalDpi xmlns:a14="http://schemas.microsoft.com/office/drawing/2010/main" val="0"/>
+              </a:ext>
+            </a:extLst>
+          </a:blip>
+          <a:stretch>
+            <a:fillRect/>
+          </a:stretch>
+        </p:blipFill>
+        <p:spPr>
+          <a:xfrm>
+            <a:off x="6757560" y="3804886"/>
+            <a:ext cx="3344733" cy="2743200"/>
+          </a:xfrm>
+          <a:prstGeom prst="rect">
+            <a:avLst/>
+          </a:prstGeom>
+        </p:spPr>
+      </p:pic>
+      <p:sp>
+        <p:nvSpPr>
+          <p:cNvPr id="26" name="TextBox 25"/>
+          <p:cNvSpPr txBox="1"/>
+          <p:nvPr/>
+        </p:nvSpPr>
+        <p:spPr>
+          <a:xfrm>
+            <a:off x="4857339" y="2637342"/>
+            <a:ext cx="1238661" cy="523220"/>
+          </a:xfrm>
+          <a:prstGeom prst="rect">
+            <a:avLst/>
+          </a:prstGeom>
+          <a:noFill/>
+        </p:spPr>
+        <p:txBody>
+          <a:bodyPr wrap="square" rtlCol="0">
+            <a:spAutoFit/>
+          </a:bodyPr>
+          <a:lstStyle/>
+          <a:p>
+            <a:pPr algn="ctr"/>
+            <a:r>
+              <a:rPr lang="en-US" sz="2800" b="1" dirty="0" smtClean="0">
+                <a:latin typeface="Leelawadee UI" panose="020B0502040204020203" pitchFamily="34" charset="-34"/>
+                <a:cs typeface="Leelawadee UI" panose="020B0502040204020203" pitchFamily="34" charset="-34"/>
+              </a:rPr>
+              <a:t>A</a:t>
+            </a:r>
+            <a:endParaRPr lang="en-US" sz="2800" b="1" dirty="0">
+              <a:latin typeface="Leelawadee UI" panose="020B0502040204020203" pitchFamily="34" charset="-34"/>
+              <a:cs typeface="Leelawadee UI" panose="020B0502040204020203" pitchFamily="34" charset="-34"/>
+            </a:endParaRPr>
+          </a:p>
+        </p:txBody>
+      </p:sp>
+      <p:sp>
+        <p:nvSpPr>
+          <p:cNvPr id="27" name="TextBox 26"/>
+          <p:cNvSpPr txBox="1"/>
+          <p:nvPr/>
+        </p:nvSpPr>
+        <p:spPr>
+          <a:xfrm>
+            <a:off x="8719299" y="2637342"/>
+            <a:ext cx="1238661" cy="523220"/>
+          </a:xfrm>
+          <a:prstGeom prst="rect">
+            <a:avLst/>
+          </a:prstGeom>
+          <a:noFill/>
+        </p:spPr>
+        <p:txBody>
+          <a:bodyPr wrap="square" rtlCol="0">
+            <a:spAutoFit/>
+          </a:bodyPr>
+          <a:lstStyle/>
+          <a:p>
+            <a:pPr algn="ctr"/>
+            <a:r>
+              <a:rPr lang="en-US" sz="2800" b="1" dirty="0" smtClean="0">
+                <a:latin typeface="Leelawadee UI" panose="020B0502040204020203" pitchFamily="34" charset="-34"/>
+                <a:cs typeface="Leelawadee UI" panose="020B0502040204020203" pitchFamily="34" charset="-34"/>
+              </a:rPr>
+              <a:t>B</a:t>
+            </a:r>
+            <a:endParaRPr lang="en-US" sz="2800" b="1" dirty="0">
+              <a:latin typeface="Leelawadee UI" panose="020B0502040204020203" pitchFamily="34" charset="-34"/>
+              <a:cs typeface="Leelawadee UI" panose="020B0502040204020203" pitchFamily="34" charset="-34"/>
+            </a:endParaRPr>
+          </a:p>
+        </p:txBody>
+      </p:sp>
+      <p:sp>
+        <p:nvSpPr>
+          <p:cNvPr id="28" name="TextBox 27"/>
+          <p:cNvSpPr txBox="1"/>
+          <p:nvPr/>
+        </p:nvSpPr>
+        <p:spPr>
+          <a:xfrm>
+            <a:off x="4844323" y="6023128"/>
+            <a:ext cx="1238661" cy="523220"/>
+          </a:xfrm>
+          <a:prstGeom prst="rect">
+            <a:avLst/>
+          </a:prstGeom>
+          <a:noFill/>
+        </p:spPr>
+        <p:txBody>
+          <a:bodyPr wrap="square" rtlCol="0">
+            <a:spAutoFit/>
+          </a:bodyPr>
+          <a:lstStyle/>
+          <a:p>
+            <a:pPr algn="ctr"/>
+            <a:r>
+              <a:rPr lang="en-US" sz="2800" b="1" dirty="0" smtClean="0">
+                <a:latin typeface="Leelawadee UI" panose="020B0502040204020203" pitchFamily="34" charset="-34"/>
+                <a:cs typeface="Leelawadee UI" panose="020B0502040204020203" pitchFamily="34" charset="-34"/>
+              </a:rPr>
+              <a:t>C</a:t>
+            </a:r>
+            <a:endParaRPr lang="en-US" sz="2800" b="1" dirty="0">
+              <a:latin typeface="Leelawadee UI" panose="020B0502040204020203" pitchFamily="34" charset="-34"/>
+              <a:cs typeface="Leelawadee UI" panose="020B0502040204020203" pitchFamily="34" charset="-34"/>
+            </a:endParaRPr>
+          </a:p>
+        </p:txBody>
+      </p:sp>
+      <p:sp>
+        <p:nvSpPr>
+          <p:cNvPr id="29" name="TextBox 28"/>
+          <p:cNvSpPr txBox="1"/>
+          <p:nvPr/>
+        </p:nvSpPr>
+        <p:spPr>
+          <a:xfrm>
+            <a:off x="8719299" y="6023128"/>
+            <a:ext cx="1238661" cy="523220"/>
+          </a:xfrm>
+          <a:prstGeom prst="rect">
+            <a:avLst/>
+          </a:prstGeom>
+          <a:noFill/>
+        </p:spPr>
+        <p:txBody>
+          <a:bodyPr wrap="square" rtlCol="0">
+            <a:spAutoFit/>
+          </a:bodyPr>
+          <a:lstStyle/>
+          <a:p>
+            <a:pPr algn="ctr"/>
+            <a:r>
+              <a:rPr lang="en-US" sz="2800" b="1" dirty="0" smtClean="0">
+                <a:latin typeface="Leelawadee UI" panose="020B0502040204020203" pitchFamily="34" charset="-34"/>
+                <a:cs typeface="Leelawadee UI" panose="020B0502040204020203" pitchFamily="34" charset="-34"/>
+              </a:rPr>
+              <a:t>D</a:t>
+            </a:r>
+            <a:endParaRPr lang="en-US" sz="2800" b="1" dirty="0">
+              <a:latin typeface="Leelawadee UI" panose="020B0502040204020203" pitchFamily="34" charset="-34"/>
+              <a:cs typeface="Leelawadee UI" panose="020B0502040204020203" pitchFamily="34" charset="-34"/>
+            </a:endParaRPr>
+          </a:p>
+        </p:txBody>
+      </p:sp>
+    </p:spTree>
+    <p:extLst>
+      <p:ext uri="{BB962C8B-B14F-4D97-AF65-F5344CB8AC3E}">
+        <p14:creationId xmlns:p14="http://schemas.microsoft.com/office/powerpoint/2010/main" val="1756363815"/>
+      </p:ext>
+    </p:extLst>
+  </p:cSld>
+  <p:clrMapOvr>
+    <a:masterClrMapping/>
+  </p:clrMapOvr>
+</p:sld>
+</file>
+
+<file path=ppt/slides/slide8.xml><?xml version="1.0" encoding="utf-8"?>
+<p:sld xmlns:a="http://schemas.openxmlformats.org/drawingml/2006/main" xmlns:r="http://schemas.openxmlformats.org/officeDocument/2006/relationships" xmlns:p="http://schemas.openxmlformats.org/presentationml/2006/main">
+  <p:cSld>
+    <p:spTree>
+      <p:nvGrpSpPr>
+        <p:cNvPr id="1" name=""/>
+        <p:cNvGrpSpPr/>
+        <p:nvPr/>
+      </p:nvGrpSpPr>
+      <p:grpSpPr>
+        <a:xfrm>
+          <a:off x="0" y="0"/>
+          <a:ext cx="0" cy="0"/>
+          <a:chOff x="0" y="0"/>
+          <a:chExt cx="0" cy="0"/>
+        </a:xfrm>
+      </p:grpSpPr>
+      <p:pic>
+        <p:nvPicPr>
+          <p:cNvPr id="4" name="Picture 3"/>
+          <p:cNvPicPr>
+            <a:picLocks noChangeAspect="1"/>
+          </p:cNvPicPr>
+          <p:nvPr/>
+        </p:nvPicPr>
+        <p:blipFill>
+          <a:blip r:embed="rId2">
+            <a:extLst>
+              <a:ext uri="{28A0092B-C50C-407E-A947-70E740481C1C}">
+                <a14:useLocalDpi xmlns:a14="http://schemas.microsoft.com/office/drawing/2010/main" val="0"/>
+              </a:ext>
+            </a:extLst>
+          </a:blip>
+          <a:stretch>
+            <a:fillRect/>
+          </a:stretch>
+        </p:blipFill>
+        <p:spPr>
+          <a:xfrm>
+            <a:off x="2666521" y="552048"/>
+            <a:ext cx="3270040" cy="2743200"/>
+          </a:xfrm>
+          <a:prstGeom prst="rect">
+            <a:avLst/>
+          </a:prstGeom>
+        </p:spPr>
+      </p:pic>
+      <p:pic>
+        <p:nvPicPr>
+          <p:cNvPr id="5" name="Picture 4"/>
+          <p:cNvPicPr>
+            <a:picLocks noChangeAspect="1"/>
+          </p:cNvPicPr>
+          <p:nvPr/>
+        </p:nvPicPr>
+        <p:blipFill>
+          <a:blip r:embed="rId3">
+            <a:extLst>
+              <a:ext uri="{28A0092B-C50C-407E-A947-70E740481C1C}">
+                <a14:useLocalDpi xmlns:a14="http://schemas.microsoft.com/office/drawing/2010/main" val="0"/>
+              </a:ext>
+            </a:extLst>
+          </a:blip>
+          <a:stretch>
+            <a:fillRect/>
+          </a:stretch>
+        </p:blipFill>
+        <p:spPr>
+          <a:xfrm>
+            <a:off x="6779721" y="552048"/>
+            <a:ext cx="3312458" cy="2743200"/>
+          </a:xfrm>
+          <a:prstGeom prst="rect">
+            <a:avLst/>
+          </a:prstGeom>
+        </p:spPr>
+      </p:pic>
+      <p:sp>
+        <p:nvSpPr>
+          <p:cNvPr id="6" name="TextBox 5"/>
+          <p:cNvSpPr txBox="1"/>
+          <p:nvPr/>
+        </p:nvSpPr>
+        <p:spPr>
+          <a:xfrm>
+            <a:off x="4857339" y="2434142"/>
+            <a:ext cx="1238661" cy="523220"/>
+          </a:xfrm>
+          <a:prstGeom prst="rect">
+            <a:avLst/>
+          </a:prstGeom>
+          <a:noFill/>
+        </p:spPr>
+        <p:txBody>
+          <a:bodyPr wrap="square" rtlCol="0">
+            <a:spAutoFit/>
+          </a:bodyPr>
+          <a:lstStyle/>
+          <a:p>
+            <a:pPr algn="ctr"/>
+            <a:r>
+              <a:rPr lang="en-US" sz="2800" b="1" dirty="0" smtClean="0">
+                <a:latin typeface="Leelawadee UI" panose="020B0502040204020203" pitchFamily="34" charset="-34"/>
+                <a:cs typeface="Leelawadee UI" panose="020B0502040204020203" pitchFamily="34" charset="-34"/>
+              </a:rPr>
+              <a:t>A</a:t>
+            </a:r>
+            <a:endParaRPr lang="en-US" sz="2800" b="1" dirty="0">
+              <a:latin typeface="Leelawadee UI" panose="020B0502040204020203" pitchFamily="34" charset="-34"/>
+              <a:cs typeface="Leelawadee UI" panose="020B0502040204020203" pitchFamily="34" charset="-34"/>
+            </a:endParaRPr>
+          </a:p>
+        </p:txBody>
+      </p:sp>
+      <p:sp>
+        <p:nvSpPr>
+          <p:cNvPr id="7" name="TextBox 6"/>
+          <p:cNvSpPr txBox="1"/>
+          <p:nvPr/>
+        </p:nvSpPr>
+        <p:spPr>
+          <a:xfrm>
+            <a:off x="9049499" y="2434142"/>
+            <a:ext cx="1238661" cy="523220"/>
+          </a:xfrm>
+          <a:prstGeom prst="rect">
+            <a:avLst/>
+          </a:prstGeom>
+          <a:noFill/>
+        </p:spPr>
+        <p:txBody>
+          <a:bodyPr wrap="square" rtlCol="0">
+            <a:spAutoFit/>
+          </a:bodyPr>
+          <a:lstStyle/>
+          <a:p>
+            <a:pPr algn="ctr"/>
+            <a:r>
+              <a:rPr lang="en-US" sz="2800" b="1" dirty="0" smtClean="0">
+                <a:latin typeface="Leelawadee UI" panose="020B0502040204020203" pitchFamily="34" charset="-34"/>
+                <a:cs typeface="Leelawadee UI" panose="020B0502040204020203" pitchFamily="34" charset="-34"/>
+              </a:rPr>
+              <a:t>B</a:t>
+            </a:r>
+            <a:endParaRPr lang="en-US" sz="2800" b="1" dirty="0">
+              <a:latin typeface="Leelawadee UI" panose="020B0502040204020203" pitchFamily="34" charset="-34"/>
+              <a:cs typeface="Leelawadee UI" panose="020B0502040204020203" pitchFamily="34" charset="-34"/>
+            </a:endParaRPr>
+          </a:p>
+        </p:txBody>
+      </p:sp>
+    </p:spTree>
+    <p:extLst>
+      <p:ext uri="{BB962C8B-B14F-4D97-AF65-F5344CB8AC3E}">
+        <p14:creationId xmlns:p14="http://schemas.microsoft.com/office/powerpoint/2010/main" val="264764508"/>
+      </p:ext>
+    </p:extLst>
+  </p:cSld>
+  <p:clrMapOvr>
+    <a:masterClrMapping/>
+  </p:clrMapOvr>
+</p:sld>
+</file>
+
 <file path=ppt/theme/theme1.xml><?xml version="1.0" encoding="utf-8"?>
 <a:theme xmlns:a="http://schemas.openxmlformats.org/drawingml/2006/main" name="Office Theme">
   <a:themeElements>
